--- a/CaseStudies-IoT.pptx
+++ b/CaseStudies-IoT.pptx
@@ -5,7 +5,7 @@
     <p:sldMasterId id="2147483648" r:id="rId1"/>
   </p:sldMasterIdLst>
   <p:notesMasterIdLst>
-    <p:notesMasterId r:id="rId20"/>
+    <p:notesMasterId r:id="rId25"/>
   </p:notesMasterIdLst>
   <p:sldIdLst>
     <p:sldId id="256" r:id="rId2"/>
@@ -21,11 +21,16 @@
     <p:sldId id="264" r:id="rId12"/>
     <p:sldId id="273" r:id="rId13"/>
     <p:sldId id="266" r:id="rId14"/>
-    <p:sldId id="267" r:id="rId15"/>
-    <p:sldId id="268" r:id="rId16"/>
-    <p:sldId id="270" r:id="rId17"/>
-    <p:sldId id="271" r:id="rId18"/>
-    <p:sldId id="272" r:id="rId19"/>
+    <p:sldId id="275" r:id="rId15"/>
+    <p:sldId id="276" r:id="rId16"/>
+    <p:sldId id="277" r:id="rId17"/>
+    <p:sldId id="278" r:id="rId18"/>
+    <p:sldId id="279" r:id="rId19"/>
+    <p:sldId id="267" r:id="rId20"/>
+    <p:sldId id="268" r:id="rId21"/>
+    <p:sldId id="270" r:id="rId22"/>
+    <p:sldId id="271" r:id="rId23"/>
+    <p:sldId id="272" r:id="rId24"/>
   </p:sldIdLst>
   <p:sldSz cx="12192000" cy="6858000"/>
   <p:notesSz cx="6858000" cy="9144000"/>
@@ -240,7 +245,7 @@
           <a:p>
             <a:fld id="{0020161A-EE08-4930-9B59-BCC23B6DC4FE}" type="datetimeFigureOut">
               <a:rPr lang="en-IN" smtClean="0"/>
-              <a:t>01-06-2018</a:t>
+              <a:t>02-06-2018</a:t>
             </a:fld>
             <a:endParaRPr lang="en-IN"/>
           </a:p>
@@ -694,7 +699,7 @@
           <a:p>
             <a:fld id="{CAD7D790-E17E-4209-B6E1-1198B2E4022F}" type="datetime1">
               <a:rPr lang="en-US" smtClean="0"/>
-              <a:t>6/1/2018</a:t>
+              <a:t>6/2/2018</a:t>
             </a:fld>
             <a:endParaRPr lang="en-US" dirty="0"/>
           </a:p>
@@ -968,7 +973,7 @@
           <a:p>
             <a:fld id="{9DC08CA8-60EE-4152-9EBE-3836D838F2D7}" type="datetime1">
               <a:rPr lang="en-US" smtClean="0"/>
-              <a:t>6/1/2018</a:t>
+              <a:t>6/2/2018</a:t>
             </a:fld>
             <a:endParaRPr lang="en-US" dirty="0"/>
           </a:p>
@@ -1161,7 +1166,7 @@
           <a:p>
             <a:fld id="{A771990E-5B5A-4A43-A731-AFDA49F7E63E}" type="datetime1">
               <a:rPr lang="en-US" smtClean="0"/>
-              <a:t>6/1/2018</a:t>
+              <a:t>6/2/2018</a:t>
             </a:fld>
             <a:endParaRPr lang="en-US" dirty="0"/>
           </a:p>
@@ -1433,7 +1438,7 @@
           <a:p>
             <a:fld id="{5A3EA74A-EBB1-4A5B-A071-E785C02D7F26}" type="datetime1">
               <a:rPr lang="en-US" smtClean="0"/>
-              <a:t>6/1/2018</a:t>
+              <a:t>6/2/2018</a:t>
             </a:fld>
             <a:endParaRPr lang="en-US" dirty="0"/>
           </a:p>
@@ -1773,7 +1778,7 @@
           <a:p>
             <a:fld id="{4C622F79-F072-42EE-B060-9899CCDC68D5}" type="datetime1">
               <a:rPr lang="en-US" smtClean="0"/>
-              <a:t>6/1/2018</a:t>
+              <a:t>6/2/2018</a:t>
             </a:fld>
             <a:endParaRPr lang="en-US" dirty="0"/>
           </a:p>
@@ -2395,7 +2400,7 @@
           <a:p>
             <a:fld id="{370236C1-699E-44D4-9D78-C4AE8511FDAD}" type="datetime1">
               <a:rPr lang="en-US" smtClean="0"/>
-              <a:t>6/1/2018</a:t>
+              <a:t>6/2/2018</a:t>
             </a:fld>
             <a:endParaRPr lang="en-US" dirty="0"/>
           </a:p>
@@ -3254,7 +3259,7 @@
           <a:p>
             <a:fld id="{B6CE44D4-7B73-4B59-96B2-449D46719B8A}" type="datetime1">
               <a:rPr lang="en-US" smtClean="0"/>
-              <a:t>6/1/2018</a:t>
+              <a:t>6/2/2018</a:t>
             </a:fld>
             <a:endParaRPr lang="en-US" dirty="0"/>
           </a:p>
@@ -3423,7 +3428,7 @@
           <a:p>
             <a:fld id="{E46321B2-A183-4109-A966-2417FCAC2855}" type="datetime1">
               <a:rPr lang="en-US" smtClean="0"/>
-              <a:t>6/1/2018</a:t>
+              <a:t>6/2/2018</a:t>
             </a:fld>
             <a:endParaRPr lang="en-US" dirty="0"/>
           </a:p>
@@ -3602,7 +3607,7 @@
           <a:p>
             <a:fld id="{BEB17B49-00EB-4611-BB8C-150D47C59B6F}" type="datetime1">
               <a:rPr lang="en-US" smtClean="0"/>
-              <a:t>6/1/2018</a:t>
+              <a:t>6/2/2018</a:t>
             </a:fld>
             <a:endParaRPr lang="en-US" dirty="0"/>
           </a:p>
@@ -3771,7 +3776,7 @@
           <a:p>
             <a:fld id="{C1BD019D-8B71-4278-BFCC-170E04DCF567}" type="datetime1">
               <a:rPr lang="en-US" smtClean="0"/>
-              <a:t>6/1/2018</a:t>
+              <a:t>6/2/2018</a:t>
             </a:fld>
             <a:endParaRPr lang="en-US" dirty="0"/>
           </a:p>
@@ -4017,7 +4022,7 @@
           <a:p>
             <a:fld id="{A23F5410-E702-4CFF-A348-F7B9E1A38099}" type="datetime1">
               <a:rPr lang="en-US" smtClean="0"/>
-              <a:t>6/1/2018</a:t>
+              <a:t>6/2/2018</a:t>
             </a:fld>
             <a:endParaRPr lang="en-US" dirty="0"/>
           </a:p>
@@ -4308,7 +4313,7 @@
           <a:p>
             <a:fld id="{F2909A94-4CFB-42D2-A7BC-80CCC4DB2872}" type="datetime1">
               <a:rPr lang="en-US" smtClean="0"/>
-              <a:t>6/1/2018</a:t>
+              <a:t>6/2/2018</a:t>
             </a:fld>
             <a:endParaRPr lang="en-US" dirty="0"/>
           </a:p>
@@ -4751,7 +4756,7 @@
           <a:p>
             <a:fld id="{CFDF014F-913F-4597-88B4-1B2DE352EC8A}" type="datetime1">
               <a:rPr lang="en-US" smtClean="0"/>
-              <a:t>6/1/2018</a:t>
+              <a:t>6/2/2018</a:t>
             </a:fld>
             <a:endParaRPr lang="en-US" dirty="0"/>
           </a:p>
@@ -4868,7 +4873,7 @@
           <a:p>
             <a:fld id="{A1E67600-D7FA-4169-8A94-19117F42BC27}" type="datetime1">
               <a:rPr lang="en-US" smtClean="0"/>
-              <a:t>6/1/2018</a:t>
+              <a:t>6/2/2018</a:t>
             </a:fld>
             <a:endParaRPr lang="en-US" dirty="0"/>
           </a:p>
@@ -4962,7 +4967,7 @@
           <a:p>
             <a:fld id="{2D02B03A-6931-4066-837C-82BBE50D36FF}" type="datetime1">
               <a:rPr lang="en-US" smtClean="0"/>
-              <a:t>6/1/2018</a:t>
+              <a:t>6/2/2018</a:t>
             </a:fld>
             <a:endParaRPr lang="en-US" dirty="0"/>
           </a:p>
@@ -5240,7 +5245,7 @@
           <a:p>
             <a:fld id="{0F4AF217-0D76-4B28-BF71-F8DDC5A9D12B}" type="datetime1">
               <a:rPr lang="en-US" smtClean="0"/>
-              <a:t>6/1/2018</a:t>
+              <a:t>6/2/2018</a:t>
             </a:fld>
             <a:endParaRPr lang="en-US" dirty="0"/>
           </a:p>
@@ -5514,7 +5519,7 @@
           <a:p>
             <a:fld id="{CC9709FA-2A19-49FB-BAB1-0E9AD8CFAB8A}" type="datetime1">
               <a:rPr lang="en-US" smtClean="0"/>
-              <a:t>6/1/2018</a:t>
+              <a:t>6/2/2018</a:t>
             </a:fld>
             <a:endParaRPr lang="en-US" dirty="0"/>
           </a:p>
@@ -5942,7 +5947,7 @@
           <a:p>
             <a:fld id="{7BA7BA98-5142-422F-BE5E-25C8831EAA59}" type="datetime1">
               <a:rPr lang="en-US" smtClean="0"/>
-              <a:t>6/1/2018</a:t>
+              <a:t>6/2/2018</a:t>
             </a:fld>
             <a:endParaRPr lang="en-US" dirty="0"/>
           </a:p>
@@ -7666,64 +7671,12 @@
           <a:chExt cx="0" cy="0"/>
         </a:xfrm>
       </p:grpSpPr>
-      <p:sp>
-        <p:nvSpPr>
-          <p:cNvPr id="3" name="Title 2">
+      <p:pic>
+        <p:nvPicPr>
+          <p:cNvPr id="4" name="Picture 3">
             <a:extLst>
               <a:ext uri="{FF2B5EF4-FFF2-40B4-BE49-F238E27FC236}">
-                <a16:creationId xmlns:a16="http://schemas.microsoft.com/office/drawing/2014/main" id="{DA68F0D0-E15D-4AE4-9656-A3D323BDDF04}"/>
-              </a:ext>
-            </a:extLst>
-          </p:cNvPr>
-          <p:cNvSpPr>
-            <a:spLocks noGrp="1"/>
-          </p:cNvSpPr>
-          <p:nvPr>
-            <p:ph type="title"/>
-          </p:nvPr>
-        </p:nvSpPr>
-        <p:spPr>
-          <a:xfrm>
-            <a:off x="602568" y="2441175"/>
-            <a:ext cx="9404723" cy="1400530"/>
-          </a:xfrm>
-        </p:spPr>
-        <p:txBody>
-          <a:bodyPr/>
-          <a:lstStyle/>
-          <a:p>
-            <a:r>
-              <a:rPr lang="en-IN" dirty="0" err="1"/>
-              <a:t>ThingWorx</a:t>
-            </a:r>
-            <a:r>
-              <a:rPr lang="en-IN" dirty="0"/>
-              <a:t> delivers business</a:t>
-            </a:r>
-            <a:br>
-              <a:rPr lang="en-IN" dirty="0"/>
-            </a:br>
-            <a:r>
-              <a:rPr lang="en-IN" dirty="0"/>
-              <a:t>differentiation to </a:t>
-            </a:r>
-            <a:r>
-              <a:rPr lang="en-IN" dirty="0" err="1"/>
-              <a:t>Vantron</a:t>
-            </a:r>
-            <a:br>
-              <a:rPr lang="en-IN" dirty="0"/>
-            </a:br>
-            <a:endParaRPr lang="en-IN" dirty="0"/>
-          </a:p>
-        </p:txBody>
-      </p:sp>
-      <p:pic>
-        <p:nvPicPr>
-          <p:cNvPr id="9" name="Picture 8">
-            <a:extLst>
-              <a:ext uri="{FF2B5EF4-FFF2-40B4-BE49-F238E27FC236}">
-                <a16:creationId xmlns:a16="http://schemas.microsoft.com/office/drawing/2014/main" id="{47EB9BD1-6AE6-4E38-9326-E4602B14015F}"/>
+                <a16:creationId xmlns:a16="http://schemas.microsoft.com/office/drawing/2014/main" id="{D5785B89-384D-48EC-8887-0C2E3D9F57EB}"/>
               </a:ext>
             </a:extLst>
           </p:cNvPr>
@@ -7740,18 +7693,165 @@
         </p:blipFill>
         <p:spPr>
           <a:xfrm>
-            <a:off x="9771516" y="6021160"/>
-            <a:ext cx="2257425" cy="476250"/>
+            <a:off x="6652693" y="5035694"/>
+            <a:ext cx="5194833" cy="1664364"/>
           </a:xfrm>
           <a:prstGeom prst="rect">
             <a:avLst/>
           </a:prstGeom>
         </p:spPr>
       </p:pic>
+      <p:sp>
+        <p:nvSpPr>
+          <p:cNvPr id="6" name="Title 4">
+            <a:extLst>
+              <a:ext uri="{FF2B5EF4-FFF2-40B4-BE49-F238E27FC236}">
+                <a16:creationId xmlns:a16="http://schemas.microsoft.com/office/drawing/2014/main" id="{61A113DE-A23C-47E4-B14E-EF2311A0089C}"/>
+              </a:ext>
+            </a:extLst>
+          </p:cNvPr>
+          <p:cNvSpPr txBox="1">
+            <a:spLocks/>
+          </p:cNvSpPr>
+          <p:nvPr/>
+        </p:nvSpPr>
+        <p:spPr>
+          <a:xfrm>
+            <a:off x="637962" y="2163622"/>
+            <a:ext cx="10559364" cy="2158998"/>
+          </a:xfrm>
+          <a:prstGeom prst="rect">
+            <a:avLst/>
+          </a:prstGeom>
+          <a:effectLst>
+            <a:glow rad="228600">
+              <a:schemeClr val="accent3">
+                <a:satMod val="175000"/>
+                <a:alpha val="40000"/>
+              </a:schemeClr>
+            </a:glow>
+            <a:outerShdw blurRad="101600" dist="38100" dir="2700000" sx="85000" sy="85000" algn="tl" rotWithShape="0">
+              <a:schemeClr val="accent1">
+                <a:lumMod val="75000"/>
+                <a:alpha val="60000"/>
+              </a:schemeClr>
+            </a:outerShdw>
+            <a:reflection endPos="0" dist="50800" dir="5400000" sy="-100000" algn="bl" rotWithShape="0"/>
+          </a:effectLst>
+        </p:spPr>
+        <p:txBody>
+          <a:bodyPr/>
+          <a:lstStyle>
+            <a:lvl1pPr algn="l" defTabSz="457200" rtl="0" eaLnBrk="1" latinLnBrk="0" hangingPunct="1">
+              <a:spcBef>
+                <a:spcPct val="0"/>
+              </a:spcBef>
+              <a:buNone/>
+              <a:defRPr sz="4200" b="0" i="0" kern="1200">
+                <a:solidFill>
+                  <a:schemeClr val="tx2"/>
+                </a:solidFill>
+                <a:latin typeface="+mj-lt"/>
+                <a:ea typeface="+mj-ea"/>
+                <a:cs typeface="+mj-cs"/>
+              </a:defRPr>
+            </a:lvl1pPr>
+            <a:lvl2pPr eaLnBrk="1" hangingPunct="1">
+              <a:defRPr>
+                <a:solidFill>
+                  <a:schemeClr val="tx2"/>
+                </a:solidFill>
+              </a:defRPr>
+            </a:lvl2pPr>
+            <a:lvl3pPr eaLnBrk="1" hangingPunct="1">
+              <a:defRPr>
+                <a:solidFill>
+                  <a:schemeClr val="tx2"/>
+                </a:solidFill>
+              </a:defRPr>
+            </a:lvl3pPr>
+            <a:lvl4pPr eaLnBrk="1" hangingPunct="1">
+              <a:defRPr>
+                <a:solidFill>
+                  <a:schemeClr val="tx2"/>
+                </a:solidFill>
+              </a:defRPr>
+            </a:lvl4pPr>
+            <a:lvl5pPr eaLnBrk="1" hangingPunct="1">
+              <a:defRPr>
+                <a:solidFill>
+                  <a:schemeClr val="tx2"/>
+                </a:solidFill>
+              </a:defRPr>
+            </a:lvl5pPr>
+            <a:lvl6pPr eaLnBrk="1" hangingPunct="1">
+              <a:defRPr>
+                <a:solidFill>
+                  <a:schemeClr val="tx2"/>
+                </a:solidFill>
+              </a:defRPr>
+            </a:lvl6pPr>
+            <a:lvl7pPr eaLnBrk="1" hangingPunct="1">
+              <a:defRPr>
+                <a:solidFill>
+                  <a:schemeClr val="tx2"/>
+                </a:solidFill>
+              </a:defRPr>
+            </a:lvl7pPr>
+            <a:lvl8pPr eaLnBrk="1" hangingPunct="1">
+              <a:defRPr>
+                <a:solidFill>
+                  <a:schemeClr val="tx2"/>
+                </a:solidFill>
+              </a:defRPr>
+            </a:lvl8pPr>
+            <a:lvl9pPr eaLnBrk="1" hangingPunct="1">
+              <a:defRPr>
+                <a:solidFill>
+                  <a:schemeClr val="tx2"/>
+                </a:solidFill>
+              </a:defRPr>
+            </a:lvl9pPr>
+          </a:lstStyle>
+          <a:p>
+            <a:r>
+              <a:rPr lang="en-IN" dirty="0" err="1"/>
+              <a:t>ThingWorx</a:t>
+            </a:r>
+            <a:r>
+              <a:rPr lang="en-IN" dirty="0"/>
+              <a:t> helps Embedded </a:t>
+            </a:r>
+          </a:p>
+          <a:p>
+            <a:r>
+              <a:rPr lang="en-IN" dirty="0"/>
+              <a:t>Energy Technology monitor </a:t>
+            </a:r>
+          </a:p>
+          <a:p>
+            <a:r>
+              <a:rPr lang="en-IN" dirty="0"/>
+              <a:t>real-time energy savings</a:t>
+            </a:r>
+          </a:p>
+          <a:p>
+            <a:endParaRPr lang="en-IN" dirty="0">
+              <a:effectLst>
+                <a:innerShdw blurRad="63500" dist="50800" dir="16200000">
+                  <a:prstClr val="black">
+                    <a:alpha val="50000"/>
+                  </a:prstClr>
+                </a:innerShdw>
+              </a:effectLst>
+            </a:endParaRPr>
+          </a:p>
+        </p:txBody>
+      </p:sp>
     </p:spTree>
     <p:extLst>
       <p:ext uri="{BB962C8B-B14F-4D97-AF65-F5344CB8AC3E}">
-        <p14:creationId xmlns:p14="http://schemas.microsoft.com/office/powerpoint/2010/main" val="3570125493"/>
+        <p14:creationId xmlns:p14="http://schemas.microsoft.com/office/powerpoint/2010/main" val="1143299357"/>
       </p:ext>
     </p:extLst>
   </p:cSld>
@@ -7778,89 +7878,12 @@
           <a:chExt cx="0" cy="0"/>
         </a:xfrm>
       </p:grpSpPr>
-      <p:sp>
-        <p:nvSpPr>
-          <p:cNvPr id="2" name="Rectangle 1">
+      <p:pic>
+        <p:nvPicPr>
+          <p:cNvPr id="3" name="Picture 2">
             <a:extLst>
               <a:ext uri="{FF2B5EF4-FFF2-40B4-BE49-F238E27FC236}">
-                <a16:creationId xmlns:a16="http://schemas.microsoft.com/office/drawing/2014/main" id="{4405CCE8-1C97-4A38-9DB4-4382B6B17323}"/>
-              </a:ext>
-            </a:extLst>
-          </p:cNvPr>
-          <p:cNvSpPr/>
-          <p:nvPr/>
-        </p:nvSpPr>
-        <p:spPr>
-          <a:xfrm>
-            <a:off x="580571" y="1712685"/>
-            <a:ext cx="11045372" cy="2677656"/>
-          </a:xfrm>
-          <a:prstGeom prst="rect">
-            <a:avLst/>
-          </a:prstGeom>
-        </p:spPr>
-        <p:txBody>
-          <a:bodyPr wrap="square">
-            <a:spAutoFit/>
-          </a:bodyPr>
-          <a:lstStyle/>
-          <a:p>
-            <a:pPr marL="285750" indent="-285750">
-              <a:buFont typeface="Wingdings" panose="05000000000000000000" pitchFamily="2" charset="2"/>
-              <a:buChar char="ü"/>
-            </a:pPr>
-            <a:r>
-              <a:rPr lang="en-IN" sz="2800" dirty="0" err="1">
-                <a:latin typeface="Arial" panose="020B0604020202020204" pitchFamily="34" charset="0"/>
-              </a:rPr>
-              <a:t>Vantron</a:t>
-            </a:r>
-            <a:r>
-              <a:rPr lang="en-IN" sz="2800" dirty="0">
-                <a:latin typeface="Arial" panose="020B0604020202020204" pitchFamily="34" charset="0"/>
-              </a:rPr>
-              <a:t> Technology is a leading provider of  low-power embedded system and software  solutions to OEM/ODM customers. </a:t>
-            </a:r>
-          </a:p>
-          <a:p>
-            <a:pPr marL="285750" indent="-285750">
-              <a:buFont typeface="Wingdings" panose="05000000000000000000" pitchFamily="2" charset="2"/>
-              <a:buChar char="ü"/>
-            </a:pPr>
-            <a:endParaRPr lang="en-IN" sz="2800" dirty="0">
-              <a:latin typeface="Arial" panose="020B0604020202020204" pitchFamily="34" charset="0"/>
-            </a:endParaRPr>
-          </a:p>
-          <a:p>
-            <a:pPr marL="285750" indent="-285750">
-              <a:buFont typeface="Wingdings" panose="05000000000000000000" pitchFamily="2" charset="2"/>
-              <a:buChar char="ü"/>
-            </a:pPr>
-            <a:r>
-              <a:rPr lang="en-IN" sz="2800" dirty="0" err="1">
-                <a:latin typeface="Arial" panose="020B0604020202020204" pitchFamily="34" charset="0"/>
-              </a:rPr>
-              <a:t>Vantron</a:t>
-            </a:r>
-            <a:r>
-              <a:rPr lang="en-IN" sz="2800" dirty="0">
-                <a:latin typeface="Arial" panose="020B0604020202020204" pitchFamily="34" charset="0"/>
-              </a:rPr>
-              <a:t>  also provides assistance in application software  development, tailoring its embedded systems  based on customers’ requirements, and turn- key manufacturing services.</a:t>
-            </a:r>
-            <a:endParaRPr lang="en-IN" sz="2800" dirty="0">
-              <a:effectLst/>
-              <a:latin typeface="Arial" panose="020B0604020202020204" pitchFamily="34" charset="0"/>
-            </a:endParaRPr>
-          </a:p>
-        </p:txBody>
-      </p:sp>
-      <p:pic>
-        <p:nvPicPr>
-          <p:cNvPr id="5" name="Picture 4">
-            <a:extLst>
-              <a:ext uri="{FF2B5EF4-FFF2-40B4-BE49-F238E27FC236}">
-                <a16:creationId xmlns:a16="http://schemas.microsoft.com/office/drawing/2014/main" id="{CCC0329C-EDBE-4040-A01E-13E7D934358D}"/>
+                <a16:creationId xmlns:a16="http://schemas.microsoft.com/office/drawing/2014/main" id="{0435B1BA-09FE-4BAA-A854-3358414AA3E8}"/>
               </a:ext>
             </a:extLst>
           </p:cNvPr>
@@ -7877,18 +7900,128 @@
         </p:blipFill>
         <p:spPr>
           <a:xfrm>
-            <a:off x="9771516" y="6021160"/>
-            <a:ext cx="2257425" cy="476250"/>
+            <a:off x="7021611" y="5153890"/>
+            <a:ext cx="4825915" cy="1546167"/>
           </a:xfrm>
           <a:prstGeom prst="rect">
             <a:avLst/>
           </a:prstGeom>
         </p:spPr>
       </p:pic>
+      <p:sp>
+        <p:nvSpPr>
+          <p:cNvPr id="4" name="Rectangle 3">
+            <a:extLst>
+              <a:ext uri="{FF2B5EF4-FFF2-40B4-BE49-F238E27FC236}">
+                <a16:creationId xmlns:a16="http://schemas.microsoft.com/office/drawing/2014/main" id="{2E9636EE-2F3B-4C30-9249-3A7D10DD6EBC}"/>
+              </a:ext>
+            </a:extLst>
+          </p:cNvPr>
+          <p:cNvSpPr/>
+          <p:nvPr/>
+        </p:nvSpPr>
+        <p:spPr>
+          <a:xfrm>
+            <a:off x="454428" y="1997839"/>
+            <a:ext cx="9171709" cy="2862322"/>
+          </a:xfrm>
+          <a:prstGeom prst="rect">
+            <a:avLst/>
+          </a:prstGeom>
+        </p:spPr>
+        <p:txBody>
+          <a:bodyPr wrap="square">
+            <a:spAutoFit/>
+          </a:bodyPr>
+          <a:lstStyle/>
+          <a:p>
+            <a:pPr marL="285750" indent="-285750">
+              <a:buFont typeface="Wingdings" panose="05000000000000000000" pitchFamily="2" charset="2"/>
+              <a:buChar char="Ø"/>
+            </a:pPr>
+            <a:r>
+              <a:rPr lang="en-IN" dirty="0"/>
+              <a:t>Embedded Energy Technology  main mission is to save energy </a:t>
+            </a:r>
+            <a:r>
+              <a:rPr lang="en-IN" i="1" dirty="0"/>
+              <a:t>and</a:t>
+            </a:r>
+            <a:r>
+              <a:rPr lang="en-IN" dirty="0"/>
+              <a:t> prove it. </a:t>
+            </a:r>
+          </a:p>
+          <a:p>
+            <a:pPr marL="285750" indent="-285750">
+              <a:buFont typeface="Wingdings" panose="05000000000000000000" pitchFamily="2" charset="2"/>
+              <a:buChar char="Ø"/>
+            </a:pPr>
+            <a:endParaRPr lang="en-IN" dirty="0"/>
+          </a:p>
+          <a:p>
+            <a:pPr marL="285750" indent="-285750">
+              <a:buFont typeface="Wingdings" panose="05000000000000000000" pitchFamily="2" charset="2"/>
+              <a:buChar char="Ø"/>
+            </a:pPr>
+            <a:endParaRPr lang="en-IN" dirty="0"/>
+          </a:p>
+          <a:p>
+            <a:pPr marL="285750" indent="-285750">
+              <a:buFont typeface="Wingdings" panose="05000000000000000000" pitchFamily="2" charset="2"/>
+              <a:buChar char="Ø"/>
+            </a:pPr>
+            <a:r>
+              <a:rPr lang="en-IN" dirty="0"/>
+              <a:t>EET has developed  special insulator called  </a:t>
+            </a:r>
+            <a:r>
+              <a:rPr lang="en-IN" dirty="0" err="1"/>
+              <a:t>SmartJacket</a:t>
+            </a:r>
+            <a:r>
+              <a:rPr lang="en-IN" dirty="0"/>
+              <a:t> that insulates and monitors steam system components.  </a:t>
+            </a:r>
+          </a:p>
+          <a:p>
+            <a:pPr marL="285750" indent="-285750">
+              <a:buFont typeface="Wingdings" panose="05000000000000000000" pitchFamily="2" charset="2"/>
+              <a:buChar char="Ø"/>
+            </a:pPr>
+            <a:endParaRPr lang="en-IN" dirty="0"/>
+          </a:p>
+          <a:p>
+            <a:pPr marL="285750" indent="-285750">
+              <a:buFont typeface="Wingdings" panose="05000000000000000000" pitchFamily="2" charset="2"/>
+              <a:buChar char="Ø"/>
+            </a:pPr>
+            <a:r>
+              <a:rPr lang="en-IN" dirty="0"/>
+              <a:t>The </a:t>
+            </a:r>
+            <a:r>
+              <a:rPr lang="en-IN" dirty="0" err="1"/>
+              <a:t>SmartJacket</a:t>
+            </a:r>
+            <a:r>
+              <a:rPr lang="en-IN" dirty="0"/>
+              <a:t> integrates wireless sensors with highly efficient insulation, capturing and reporting true energy savings while tracking real-time component health and overall system function.</a:t>
+            </a:r>
+          </a:p>
+          <a:p>
+            <a:pPr marL="285750" indent="-285750">
+              <a:buFont typeface="Wingdings" panose="05000000000000000000" pitchFamily="2" charset="2"/>
+              <a:buChar char="Ø"/>
+            </a:pPr>
+            <a:endParaRPr lang="en-IN" dirty="0"/>
+          </a:p>
+        </p:txBody>
+      </p:sp>
     </p:spTree>
     <p:extLst>
       <p:ext uri="{BB962C8B-B14F-4D97-AF65-F5344CB8AC3E}">
-        <p14:creationId xmlns:p14="http://schemas.microsoft.com/office/powerpoint/2010/main" val="59326562"/>
+        <p14:creationId xmlns:p14="http://schemas.microsoft.com/office/powerpoint/2010/main" val="3410050329"/>
       </p:ext>
     </p:extLst>
   </p:cSld>
@@ -7917,10 +8050,10 @@
       </p:grpSpPr>
       <p:sp>
         <p:nvSpPr>
-          <p:cNvPr id="4" name="Title 3">
+          <p:cNvPr id="2" name="Title 1">
             <a:extLst>
               <a:ext uri="{FF2B5EF4-FFF2-40B4-BE49-F238E27FC236}">
-                <a16:creationId xmlns:a16="http://schemas.microsoft.com/office/drawing/2014/main" id="{B1C8B2E5-DA4E-47EA-BE7E-21A7E2709501}"/>
+                <a16:creationId xmlns:a16="http://schemas.microsoft.com/office/drawing/2014/main" id="{D978D341-7C87-48B1-974B-A57F840A11B0}"/>
               </a:ext>
             </a:extLst>
           </p:cNvPr>
@@ -7934,7 +8067,7 @@
         <p:spPr>
           <a:xfrm>
             <a:off x="646111" y="452718"/>
-            <a:ext cx="9404723" cy="795511"/>
+            <a:ext cx="9404723" cy="995082"/>
           </a:xfrm>
         </p:spPr>
         <p:txBody>
@@ -7950,10 +8083,10 @@
       </p:sp>
       <p:sp>
         <p:nvSpPr>
-          <p:cNvPr id="5" name="Rectangle 4">
+          <p:cNvPr id="4" name="Rectangle 3">
             <a:extLst>
               <a:ext uri="{FF2B5EF4-FFF2-40B4-BE49-F238E27FC236}">
-                <a16:creationId xmlns:a16="http://schemas.microsoft.com/office/drawing/2014/main" id="{BE2083DD-54FD-47AA-BC9D-F0A33EE4DBAD}"/>
+                <a16:creationId xmlns:a16="http://schemas.microsoft.com/office/drawing/2014/main" id="{B52EBECF-B29E-40DD-B446-0C38E1893AE7}"/>
               </a:ext>
             </a:extLst>
           </p:cNvPr>
@@ -7962,8 +8095,8 @@
         </p:nvSpPr>
         <p:spPr>
           <a:xfrm>
-            <a:off x="254000" y="1182147"/>
-            <a:ext cx="11684000" cy="5632311"/>
+            <a:off x="520930" y="1447801"/>
+            <a:ext cx="10817629" cy="5078313"/>
           </a:xfrm>
           <a:prstGeom prst="rect">
             <a:avLst/>
@@ -7975,182 +8108,132 @@
           </a:bodyPr>
           <a:lstStyle/>
           <a:p>
-            <a:pPr marL="285750" indent="-285750">
-              <a:buFont typeface="Wingdings" panose="05000000000000000000" pitchFamily="2" charset="2"/>
-              <a:buChar char="ü"/>
-            </a:pPr>
-            <a:r>
-              <a:rPr lang="en-IN" sz="2400" dirty="0">
+            <a:r>
+              <a:rPr lang="en-IN" dirty="0">
                 <a:latin typeface="Arial" panose="020B0604020202020204" pitchFamily="34" charset="0"/>
                 <a:cs typeface="Arial" panose="020B0604020202020204" pitchFamily="34" charset="0"/>
               </a:rPr>
-              <a:t> </a:t>
-            </a:r>
-            <a:r>
-              <a:rPr lang="en-IN" sz="2400" dirty="0" err="1">
-                <a:latin typeface="Arial" panose="020B0604020202020204" pitchFamily="34" charset="0"/>
-                <a:cs typeface="Arial" panose="020B0604020202020204" pitchFamily="34" charset="0"/>
-              </a:rPr>
-              <a:t>Vantron</a:t>
-            </a:r>
-            <a:r>
-              <a:rPr lang="en-IN" sz="2400" dirty="0">
-                <a:latin typeface="Arial" panose="020B0604020202020204" pitchFamily="34" charset="0"/>
-                <a:cs typeface="Arial" panose="020B0604020202020204" pitchFamily="34" charset="0"/>
-              </a:rPr>
-              <a:t>  customers from various industries such as</a:t>
-            </a:r>
-          </a:p>
-          <a:p>
-            <a:pPr marL="1200150" lvl="2" indent="-285750">
-              <a:buFont typeface="Wingdings" panose="05000000000000000000" pitchFamily="2" charset="2"/>
-              <a:buChar char="Ø"/>
-            </a:pPr>
-            <a:r>
-              <a:rPr lang="en-IN" sz="2400" dirty="0">
-                <a:latin typeface="Arial" panose="020B0604020202020204" pitchFamily="34" charset="0"/>
-                <a:cs typeface="Arial" panose="020B0604020202020204" pitchFamily="34" charset="0"/>
-              </a:rPr>
-              <a:t> Healthcare, </a:t>
-            </a:r>
-          </a:p>
-          <a:p>
-            <a:pPr marL="1200150" lvl="2" indent="-285750">
-              <a:buFont typeface="Wingdings" panose="05000000000000000000" pitchFamily="2" charset="2"/>
-              <a:buChar char="Ø"/>
-            </a:pPr>
-            <a:r>
-              <a:rPr lang="en-IN" sz="2400" dirty="0">
-                <a:latin typeface="Arial" panose="020B0604020202020204" pitchFamily="34" charset="0"/>
-                <a:cs typeface="Arial" panose="020B0604020202020204" pitchFamily="34" charset="0"/>
-              </a:rPr>
-              <a:t> Heavy equipment,  </a:t>
-            </a:r>
-          </a:p>
-          <a:p>
-            <a:pPr marL="1200150" lvl="2" indent="-285750">
-              <a:buFont typeface="Wingdings" panose="05000000000000000000" pitchFamily="2" charset="2"/>
-              <a:buChar char="Ø"/>
-            </a:pPr>
-            <a:r>
-              <a:rPr lang="en-IN" sz="2400" dirty="0">
-                <a:latin typeface="Arial" panose="020B0604020202020204" pitchFamily="34" charset="0"/>
-                <a:cs typeface="Arial" panose="020B0604020202020204" pitchFamily="34" charset="0"/>
-              </a:rPr>
-              <a:t> Vehicle tracking </a:t>
-            </a:r>
-          </a:p>
-          <a:p>
-            <a:pPr marL="1200150" lvl="2" indent="-285750">
-              <a:buFont typeface="Wingdings" panose="05000000000000000000" pitchFamily="2" charset="2"/>
-              <a:buChar char="Ø"/>
-            </a:pPr>
-            <a:r>
-              <a:rPr lang="en-IN" sz="2400" dirty="0">
-                <a:latin typeface="Arial" panose="020B0604020202020204" pitchFamily="34" charset="0"/>
-                <a:cs typeface="Arial" panose="020B0604020202020204" pitchFamily="34" charset="0"/>
-              </a:rPr>
-              <a:t> Telematics</a:t>
-            </a:r>
-          </a:p>
-          <a:p>
-            <a:pPr marL="285750" indent="-285750">
-              <a:buFont typeface="Wingdings" panose="05000000000000000000" pitchFamily="2" charset="2"/>
-              <a:buChar char="ü"/>
-            </a:pPr>
-            <a:endParaRPr lang="en-IN" sz="2400" dirty="0">
-              <a:latin typeface="Arial" panose="020B0604020202020204" pitchFamily="34" charset="0"/>
-              <a:cs typeface="Arial" panose="020B0604020202020204" pitchFamily="34" charset="0"/>
-            </a:endParaRPr>
-          </a:p>
-          <a:p>
-            <a:pPr marL="285750" indent="-285750">
-              <a:buFont typeface="Wingdings" panose="05000000000000000000" pitchFamily="2" charset="2"/>
-              <a:buChar char="ü"/>
-            </a:pPr>
-            <a:r>
-              <a:rPr lang="en-IN" sz="2400" dirty="0">
-                <a:latin typeface="Arial" panose="020B0604020202020204" pitchFamily="34" charset="0"/>
-                <a:cs typeface="Arial" panose="020B0604020202020204" pitchFamily="34" charset="0"/>
-              </a:rPr>
-              <a:t> Needs  customized solutions.</a:t>
-            </a:r>
-          </a:p>
-          <a:p>
-            <a:pPr marL="285750" indent="-285750">
-              <a:buFont typeface="Wingdings" panose="05000000000000000000" pitchFamily="2" charset="2"/>
-              <a:buChar char="ü"/>
-            </a:pPr>
-            <a:r>
-              <a:rPr lang="en-IN" sz="2400" dirty="0">
-                <a:latin typeface="Arial" panose="020B0604020202020204" pitchFamily="34" charset="0"/>
-                <a:cs typeface="Arial" panose="020B0604020202020204" pitchFamily="34" charset="0"/>
-              </a:rPr>
-              <a:t> Rapid application development</a:t>
-            </a:r>
-          </a:p>
-          <a:p>
-            <a:endParaRPr lang="en-IN" sz="2400" dirty="0">
-              <a:latin typeface="Arial" panose="020B0604020202020204" pitchFamily="34" charset="0"/>
-              <a:cs typeface="Arial" panose="020B0604020202020204" pitchFamily="34" charset="0"/>
-            </a:endParaRPr>
-          </a:p>
-          <a:p>
-            <a:pPr marL="285750" indent="-285750">
-              <a:buFont typeface="Wingdings" panose="05000000000000000000" pitchFamily="2" charset="2"/>
-              <a:buChar char="ü"/>
-            </a:pPr>
-            <a:r>
-              <a:rPr lang="en-IN" sz="2400" dirty="0">
-                <a:latin typeface="Arial" panose="020B0604020202020204" pitchFamily="34" charset="0"/>
-                <a:cs typeface="Arial" panose="020B0604020202020204" pitchFamily="34" charset="0"/>
-              </a:rPr>
-              <a:t> Customers looking for interconnectivity  more and more through the cloud so that they could access and interact with their   equipment remotely.</a:t>
-            </a:r>
-          </a:p>
-          <a:p>
-            <a:endParaRPr lang="en-IN" sz="2400" dirty="0">
-              <a:latin typeface="Arial" panose="020B0604020202020204" pitchFamily="34" charset="0"/>
-              <a:cs typeface="Arial" panose="020B0604020202020204" pitchFamily="34" charset="0"/>
-            </a:endParaRPr>
-          </a:p>
-          <a:p>
-            <a:pPr marL="285750" indent="-285750">
-              <a:buFont typeface="Wingdings" panose="05000000000000000000" pitchFamily="2" charset="2"/>
-              <a:buChar char="ü"/>
-            </a:pPr>
-            <a:r>
-              <a:rPr lang="en-IN" sz="2400" dirty="0" err="1">
-                <a:latin typeface="Arial" panose="020B0604020202020204" pitchFamily="34" charset="0"/>
-                <a:cs typeface="Arial" panose="020B0604020202020204" pitchFamily="34" charset="0"/>
-              </a:rPr>
-              <a:t>Vantron</a:t>
-            </a:r>
-            <a:r>
-              <a:rPr lang="en-IN" sz="2400" dirty="0">
-                <a:latin typeface="Arial" panose="020B0604020202020204" pitchFamily="34" charset="0"/>
-                <a:cs typeface="Arial" panose="020B0604020202020204" pitchFamily="34" charset="0"/>
-              </a:rPr>
-              <a:t>’ s customers use a  range of operating systems on their embedded systems, from  Linux and Windows to Android</a:t>
-            </a:r>
-          </a:p>
-          <a:p>
-            <a:pPr marL="285750" indent="-285750">
-              <a:buFont typeface="Wingdings" panose="05000000000000000000" pitchFamily="2" charset="2"/>
-              <a:buChar char="ü"/>
-            </a:pPr>
-            <a:endParaRPr lang="en-IN" sz="2400" dirty="0">
+              <a:t>A lot of large buildings, campuses, hospitals etc. all have giant  industrial steam systems, and the amount of energy that goes   through them is massive. The steam systems are used not only  for heating buildings in cold areas, but also for cooling them via   heat exchangers in hot areas</a:t>
+            </a:r>
+          </a:p>
+          <a:p>
+            <a:endParaRPr lang="en-IN" dirty="0">
               <a:effectLst/>
               <a:latin typeface="Arial" panose="020B0604020202020204" pitchFamily="34" charset="0"/>
               <a:cs typeface="Arial" panose="020B0604020202020204" pitchFamily="34" charset="0"/>
             </a:endParaRPr>
           </a:p>
+          <a:p>
+            <a:r>
+              <a:rPr lang="en-IN" dirty="0">
+                <a:latin typeface="Arial" panose="020B0604020202020204" pitchFamily="34" charset="0"/>
+                <a:cs typeface="Arial" panose="020B0604020202020204" pitchFamily="34" charset="0"/>
+              </a:rPr>
+              <a:t>All Steam pipes are insulated to prevent energy from radiating outside. </a:t>
+            </a:r>
+          </a:p>
+          <a:p>
+            <a:endParaRPr lang="en-IN" dirty="0">
+              <a:effectLst/>
+              <a:latin typeface="Arial" panose="020B0604020202020204" pitchFamily="34" charset="0"/>
+              <a:cs typeface="Arial" panose="020B0604020202020204" pitchFamily="34" charset="0"/>
+            </a:endParaRPr>
+          </a:p>
+          <a:p>
+            <a:r>
+              <a:rPr lang="en-IN" dirty="0">
+                <a:latin typeface="Arial" panose="020B0604020202020204" pitchFamily="34" charset="0"/>
+                <a:cs typeface="Arial" panose="020B0604020202020204" pitchFamily="34" charset="0"/>
+              </a:rPr>
+              <a:t>As insulation is critical for energy saving, the company developed a special product called </a:t>
+            </a:r>
+            <a:r>
+              <a:rPr lang="en-IN" b="1" dirty="0" err="1">
+                <a:latin typeface="Arial" panose="020B0604020202020204" pitchFamily="34" charset="0"/>
+                <a:cs typeface="Arial" panose="020B0604020202020204" pitchFamily="34" charset="0"/>
+              </a:rPr>
+              <a:t>SmartJacket</a:t>
+            </a:r>
+            <a:r>
+              <a:rPr lang="en-IN" b="1" dirty="0">
+                <a:latin typeface="Arial" panose="020B0604020202020204" pitchFamily="34" charset="0"/>
+                <a:cs typeface="Arial" panose="020B0604020202020204" pitchFamily="34" charset="0"/>
+              </a:rPr>
+              <a:t>   </a:t>
+            </a:r>
+            <a:r>
+              <a:rPr lang="en-IN" dirty="0">
+                <a:latin typeface="Arial" panose="020B0604020202020204" pitchFamily="34" charset="0"/>
+                <a:cs typeface="Arial" panose="020B0604020202020204" pitchFamily="34" charset="0"/>
+              </a:rPr>
+              <a:t>that can be removed during repair work and installed back. This made the repair work of steam pipe and other component easy.</a:t>
+            </a:r>
+          </a:p>
+          <a:p>
+            <a:endParaRPr lang="en-IN" b="1" dirty="0">
+              <a:latin typeface="Arial" panose="020B0604020202020204" pitchFamily="34" charset="0"/>
+              <a:cs typeface="Arial" panose="020B0604020202020204" pitchFamily="34" charset="0"/>
+            </a:endParaRPr>
+          </a:p>
+          <a:p>
+            <a:r>
+              <a:rPr lang="en-IN" b="1" dirty="0">
+                <a:latin typeface="Arial" panose="020B0604020202020204" pitchFamily="34" charset="0"/>
+                <a:cs typeface="Arial" panose="020B0604020202020204" pitchFamily="34" charset="0"/>
+              </a:rPr>
+              <a:t>However the company was constantly asked a question by customer to give a empirical measurement on how much energy is saved by the use of the </a:t>
+            </a:r>
+            <a:r>
+              <a:rPr lang="en-IN" b="1" dirty="0" err="1">
+                <a:latin typeface="Arial" panose="020B0604020202020204" pitchFamily="34" charset="0"/>
+                <a:cs typeface="Arial" panose="020B0604020202020204" pitchFamily="34" charset="0"/>
+              </a:rPr>
+              <a:t>SmartJacket</a:t>
+            </a:r>
+            <a:endParaRPr lang="en-IN" b="1" dirty="0">
+              <a:latin typeface="Arial" panose="020B0604020202020204" pitchFamily="34" charset="0"/>
+              <a:cs typeface="Arial" panose="020B0604020202020204" pitchFamily="34" charset="0"/>
+            </a:endParaRPr>
+          </a:p>
+          <a:p>
+            <a:endParaRPr lang="en-IN" b="1" dirty="0">
+              <a:latin typeface="Arial" panose="020B0604020202020204" pitchFamily="34" charset="0"/>
+              <a:cs typeface="Arial" panose="020B0604020202020204" pitchFamily="34" charset="0"/>
+            </a:endParaRPr>
+          </a:p>
+          <a:p>
+            <a:r>
+              <a:rPr lang="en-IN" dirty="0">
+                <a:latin typeface="Arial" panose="020B0604020202020204" pitchFamily="34" charset="0"/>
+                <a:cs typeface="Arial" panose="020B0604020202020204" pitchFamily="34" charset="0"/>
+              </a:rPr>
+              <a:t>This prompted engineers to  developed a  sensor that could be mounted along with the insulation to measure  how much heat is being retained and provide insight into whether </a:t>
+            </a:r>
+          </a:p>
+          <a:p>
+            <a:r>
+              <a:rPr lang="en-IN" dirty="0">
+                <a:latin typeface="Arial" panose="020B0604020202020204" pitchFamily="34" charset="0"/>
+                <a:cs typeface="Arial" panose="020B0604020202020204" pitchFamily="34" charset="0"/>
+              </a:rPr>
+              <a:t>or not the component is functioning as intended.</a:t>
+            </a:r>
+          </a:p>
+          <a:p>
+            <a:endParaRPr lang="en-IN" dirty="0">
+              <a:latin typeface="Arial" panose="020B0604020202020204" pitchFamily="34" charset="0"/>
+              <a:cs typeface="Arial" panose="020B0604020202020204" pitchFamily="34" charset="0"/>
+            </a:endParaRPr>
+          </a:p>
+          <a:p>
+            <a:endParaRPr lang="en-IN" dirty="0"/>
+          </a:p>
         </p:txBody>
       </p:sp>
     </p:spTree>
     <p:extLst>
       <p:ext uri="{BB962C8B-B14F-4D97-AF65-F5344CB8AC3E}">
-        <p14:creationId xmlns:p14="http://schemas.microsoft.com/office/powerpoint/2010/main" val="3549351075"/>
+        <p14:creationId xmlns:p14="http://schemas.microsoft.com/office/powerpoint/2010/main" val="1414835744"/>
       </p:ext>
     </p:extLst>
   </p:cSld>
@@ -8179,43 +8262,10 @@
       </p:grpSpPr>
       <p:sp>
         <p:nvSpPr>
-          <p:cNvPr id="5" name="Title 4">
+          <p:cNvPr id="3" name="Rectangle 2">
             <a:extLst>
               <a:ext uri="{FF2B5EF4-FFF2-40B4-BE49-F238E27FC236}">
-                <a16:creationId xmlns:a16="http://schemas.microsoft.com/office/drawing/2014/main" id="{26F888A6-940C-4688-9513-75B82B3610EC}"/>
-              </a:ext>
-            </a:extLst>
-          </p:cNvPr>
-          <p:cNvSpPr>
-            <a:spLocks noGrp="1"/>
-          </p:cNvSpPr>
-          <p:nvPr>
-            <p:ph type="title"/>
-          </p:nvPr>
-        </p:nvSpPr>
-        <p:spPr>
-          <a:xfrm>
-            <a:off x="646111" y="452718"/>
-            <a:ext cx="9404723" cy="795511"/>
-          </a:xfrm>
-        </p:spPr>
-        <p:txBody>
-          <a:bodyPr/>
-          <a:lstStyle/>
-          <a:p>
-            <a:r>
-              <a:rPr lang="en-IN" dirty="0"/>
-              <a:t>Solution</a:t>
-            </a:r>
-          </a:p>
-        </p:txBody>
-      </p:sp>
-      <p:sp>
-        <p:nvSpPr>
-          <p:cNvPr id="6" name="Rectangle 5">
-            <a:extLst>
-              <a:ext uri="{FF2B5EF4-FFF2-40B4-BE49-F238E27FC236}">
-                <a16:creationId xmlns:a16="http://schemas.microsoft.com/office/drawing/2014/main" id="{1D09ACAD-1BC3-45C4-8835-3FAAA2BA2687}"/>
+                <a16:creationId xmlns:a16="http://schemas.microsoft.com/office/drawing/2014/main" id="{B98538A9-5C8B-4CE5-9717-728554F0E10F}"/>
               </a:ext>
             </a:extLst>
           </p:cNvPr>
@@ -8224,12 +8274,17 @@
         </p:nvSpPr>
         <p:spPr>
           <a:xfrm>
-            <a:off x="254000" y="1182147"/>
-            <a:ext cx="11684000" cy="3970318"/>
+            <a:off x="277093" y="3048095"/>
+            <a:ext cx="4350326" cy="3539430"/>
           </a:xfrm>
           <a:prstGeom prst="rect">
             <a:avLst/>
           </a:prstGeom>
+          <a:ln>
+            <a:solidFill>
+              <a:srgbClr val="FFFF00"/>
+            </a:solidFill>
+          </a:ln>
         </p:spPr>
         <p:txBody>
           <a:bodyPr wrap="square">
@@ -8237,117 +8292,556 @@
           </a:bodyPr>
           <a:lstStyle/>
           <a:p>
-            <a:pPr marL="285750" indent="-285750">
-              <a:buFont typeface="Wingdings" panose="05000000000000000000" pitchFamily="2" charset="2"/>
-              <a:buChar char="ü"/>
-            </a:pPr>
-            <a:r>
-              <a:rPr lang="en-IN" sz="2800" dirty="0" err="1">
+            <a:pPr algn="just"/>
+            <a:r>
+              <a:rPr lang="en-IN" sz="1600" dirty="0">
                 <a:latin typeface="Arial" panose="020B0604020202020204" pitchFamily="34" charset="0"/>
                 <a:cs typeface="Arial" panose="020B0604020202020204" pitchFamily="34" charset="0"/>
               </a:rPr>
-              <a:t>Thingworx</a:t>
-            </a:r>
-            <a:r>
-              <a:rPr lang="en-IN" sz="2800" dirty="0">
-                <a:latin typeface="Arial" panose="020B0604020202020204" pitchFamily="34" charset="0"/>
-                <a:cs typeface="Arial" panose="020B0604020202020204" pitchFamily="34" charset="0"/>
-              </a:rPr>
-              <a:t> support a wide range of embedded systems, from  Linux and Windows to Android</a:t>
-            </a:r>
-          </a:p>
-          <a:p>
-            <a:pPr marL="285750" indent="-285750">
-              <a:buFont typeface="Wingdings" panose="05000000000000000000" pitchFamily="2" charset="2"/>
-              <a:buChar char="ü"/>
-            </a:pPr>
-            <a:endParaRPr lang="en-IN" sz="2800" dirty="0">
-              <a:latin typeface="Arial" panose="020B0604020202020204" pitchFamily="34" charset="0"/>
-              <a:cs typeface="Arial" panose="020B0604020202020204" pitchFamily="34" charset="0"/>
-            </a:endParaRPr>
-          </a:p>
-          <a:p>
-            <a:pPr marL="285750" indent="-285750">
-              <a:buFont typeface="Wingdings" panose="05000000000000000000" pitchFamily="2" charset="2"/>
-              <a:buChar char="ü"/>
-            </a:pPr>
-            <a:r>
-              <a:rPr lang="en-IN" sz="2800" dirty="0">
-                <a:latin typeface="Arial" panose="020B0604020202020204" pitchFamily="34" charset="0"/>
-                <a:cs typeface="Arial" panose="020B0604020202020204" pitchFamily="34" charset="0"/>
-              </a:rPr>
-              <a:t>Rapid application development possible </a:t>
-            </a:r>
-          </a:p>
-          <a:p>
-            <a:pPr marL="285750" indent="-285750">
-              <a:buFont typeface="Wingdings" panose="05000000000000000000" pitchFamily="2" charset="2"/>
-              <a:buChar char="ü"/>
-            </a:pPr>
-            <a:endParaRPr lang="en-IN" sz="2800" dirty="0">
-              <a:latin typeface="Arial" panose="020B0604020202020204" pitchFamily="34" charset="0"/>
-              <a:cs typeface="Arial" panose="020B0604020202020204" pitchFamily="34" charset="0"/>
-            </a:endParaRPr>
-          </a:p>
-          <a:p>
-            <a:pPr marL="285750" indent="-285750">
-              <a:buFont typeface="Wingdings" panose="05000000000000000000" pitchFamily="2" charset="2"/>
-              <a:buChar char="ü"/>
-            </a:pPr>
-            <a:r>
-              <a:rPr lang="en-IN" sz="2800" dirty="0">
-                <a:latin typeface="Arial" panose="020B0604020202020204" pitchFamily="34" charset="0"/>
-                <a:cs typeface="Arial" panose="020B0604020202020204" pitchFamily="34" charset="0"/>
-              </a:rPr>
-              <a:t>Brand recognition, the robustness, and the available  partner ecosystem all had an important role to play in selecting   the </a:t>
-            </a:r>
-            <a:r>
-              <a:rPr lang="en-IN" sz="2800" dirty="0" err="1">
-                <a:latin typeface="Arial" panose="020B0604020202020204" pitchFamily="34" charset="0"/>
-                <a:cs typeface="Arial" panose="020B0604020202020204" pitchFamily="34" charset="0"/>
-              </a:rPr>
-              <a:t>ThingWorx</a:t>
-            </a:r>
-            <a:r>
-              <a:rPr lang="en-IN" sz="2800" dirty="0">
-                <a:latin typeface="Arial" panose="020B0604020202020204" pitchFamily="34" charset="0"/>
-                <a:cs typeface="Arial" panose="020B0604020202020204" pitchFamily="34" charset="0"/>
-              </a:rPr>
-              <a:t> platform” says </a:t>
-            </a:r>
-            <a:r>
-              <a:rPr lang="en-IN" sz="2800" dirty="0" err="1"/>
-              <a:t>Easen</a:t>
-            </a:r>
-            <a:r>
-              <a:rPr lang="en-IN" sz="2800" dirty="0"/>
-              <a:t> </a:t>
-            </a:r>
-            <a:r>
-              <a:rPr lang="en-IN" sz="2800" dirty="0">
-                <a:latin typeface="Arial" panose="020B0604020202020204" pitchFamily="34" charset="0"/>
-                <a:cs typeface="Arial" panose="020B0604020202020204" pitchFamily="34" charset="0"/>
-              </a:rPr>
-              <a:t>Ho, </a:t>
-            </a:r>
-          </a:p>
-          <a:p>
-            <a:pPr marL="285750" indent="-285750">
-              <a:buFont typeface="Wingdings" panose="05000000000000000000" pitchFamily="2" charset="2"/>
-              <a:buChar char="ü"/>
-            </a:pPr>
-            <a:endParaRPr lang="en-IN" sz="2800" dirty="0">
+              <a:t>Each sensor measures 4 key temperatures: the inside jacket  temperature, the outer jacket (touch) temperature, the ambient  Room or steam vault temperature, and the component temperature</a:t>
+            </a:r>
+          </a:p>
+          <a:p>
+            <a:pPr algn="just"/>
+            <a:endParaRPr lang="en-IN" sz="1600" dirty="0">
               <a:effectLst/>
               <a:latin typeface="Arial" panose="020B0604020202020204" pitchFamily="34" charset="0"/>
               <a:cs typeface="Arial" panose="020B0604020202020204" pitchFamily="34" charset="0"/>
             </a:endParaRPr>
           </a:p>
-        </p:txBody>
-      </p:sp>
+          <a:p>
+            <a:pPr algn="just"/>
+            <a:r>
+              <a:rPr lang="en-IN" sz="1600" dirty="0">
+                <a:latin typeface="Arial" panose="020B0604020202020204" pitchFamily="34" charset="0"/>
+                <a:cs typeface="Arial" panose="020B0604020202020204" pitchFamily="34" charset="0"/>
+              </a:rPr>
+              <a:t>These readings provide a complete picture of what is happening inside the  component, and are displayed in a Web Portal that </a:t>
+            </a:r>
+            <a:r>
+              <a:rPr lang="en-IN" sz="1600" dirty="0" err="1">
+                <a:latin typeface="Arial" panose="020B0604020202020204" pitchFamily="34" charset="0"/>
+                <a:cs typeface="Arial" panose="020B0604020202020204" pitchFamily="34" charset="0"/>
+              </a:rPr>
+              <a:t>analyzes</a:t>
+            </a:r>
+            <a:r>
+              <a:rPr lang="en-IN" sz="1600" dirty="0">
+                <a:latin typeface="Arial" panose="020B0604020202020204" pitchFamily="34" charset="0"/>
+                <a:cs typeface="Arial" panose="020B0604020202020204" pitchFamily="34" charset="0"/>
+              </a:rPr>
+              <a:t> and presents the  data in a concise format.</a:t>
+            </a:r>
+          </a:p>
+          <a:p>
+            <a:pPr algn="just"/>
+            <a:endParaRPr lang="en-IN" sz="1600" dirty="0">
+              <a:latin typeface="Arial" panose="020B0604020202020204" pitchFamily="34" charset="0"/>
+              <a:cs typeface="Arial" panose="020B0604020202020204" pitchFamily="34" charset="0"/>
+            </a:endParaRPr>
+          </a:p>
+          <a:p>
+            <a:pPr algn="just"/>
+            <a:r>
+              <a:rPr lang="en-IN" sz="1600" dirty="0">
+                <a:latin typeface="Arial" panose="020B0604020202020204" pitchFamily="34" charset="0"/>
+                <a:cs typeface="Arial" panose="020B0604020202020204" pitchFamily="34" charset="0"/>
+              </a:rPr>
+              <a:t>With  large number customer and grow demands, developing an in house solution will need few developer and an year.</a:t>
+            </a:r>
+          </a:p>
+        </p:txBody>
+      </p:sp>
+      <p:pic>
+        <p:nvPicPr>
+          <p:cNvPr id="5" name="Picture 4">
+            <a:extLst>
+              <a:ext uri="{FF2B5EF4-FFF2-40B4-BE49-F238E27FC236}">
+                <a16:creationId xmlns:a16="http://schemas.microsoft.com/office/drawing/2014/main" id="{63AFD4CE-51F8-4CD9-B037-AEA6783A6A33}"/>
+              </a:ext>
+            </a:extLst>
+          </p:cNvPr>
+          <p:cNvPicPr>
+            <a:picLocks noChangeAspect="1"/>
+          </p:cNvPicPr>
+          <p:nvPr/>
+        </p:nvPicPr>
+        <p:blipFill>
+          <a:blip r:embed="rId2"/>
+          <a:stretch>
+            <a:fillRect/>
+          </a:stretch>
+        </p:blipFill>
+        <p:spPr>
+          <a:xfrm>
+            <a:off x="9308868" y="4389120"/>
+            <a:ext cx="3243349" cy="2098638"/>
+          </a:xfrm>
+          <a:prstGeom prst="rect">
+            <a:avLst/>
+          </a:prstGeom>
+        </p:spPr>
+      </p:pic>
+      <p:sp>
+        <p:nvSpPr>
+          <p:cNvPr id="6" name="Thought Bubble: Cloud 5">
+            <a:extLst>
+              <a:ext uri="{FF2B5EF4-FFF2-40B4-BE49-F238E27FC236}">
+                <a16:creationId xmlns:a16="http://schemas.microsoft.com/office/drawing/2014/main" id="{FE287203-E5A6-4847-87CF-F6E045AF200D}"/>
+              </a:ext>
+            </a:extLst>
+          </p:cNvPr>
+          <p:cNvSpPr/>
+          <p:nvPr/>
+        </p:nvSpPr>
+        <p:spPr>
+          <a:xfrm>
+            <a:off x="9143999" y="2373611"/>
+            <a:ext cx="2826327" cy="931025"/>
+          </a:xfrm>
+          <a:prstGeom prst="cloudCallout">
+            <a:avLst/>
+          </a:prstGeom>
+          <a:solidFill>
+            <a:schemeClr val="bg2">
+              <a:lumMod val="20000"/>
+              <a:lumOff val="80000"/>
+            </a:schemeClr>
+          </a:solidFill>
+        </p:spPr>
+        <p:style>
+          <a:lnRef idx="2">
+            <a:schemeClr val="accent1">
+              <a:shade val="50000"/>
+            </a:schemeClr>
+          </a:lnRef>
+          <a:fillRef idx="1">
+            <a:schemeClr val="accent1"/>
+          </a:fillRef>
+          <a:effectRef idx="0">
+            <a:schemeClr val="accent1"/>
+          </a:effectRef>
+          <a:fontRef idx="minor">
+            <a:schemeClr val="lt1"/>
+          </a:fontRef>
+        </p:style>
+        <p:txBody>
+          <a:bodyPr rtlCol="0" anchor="ctr"/>
+          <a:lstStyle/>
+          <a:p>
+            <a:pPr algn="ctr"/>
+            <a:r>
+              <a:rPr lang="en-IN" b="1" dirty="0">
+                <a:solidFill>
+                  <a:schemeClr val="bg1"/>
+                </a:solidFill>
+              </a:rPr>
+              <a:t>Internet</a:t>
+            </a:r>
+          </a:p>
+        </p:txBody>
+      </p:sp>
+      <p:sp>
+        <p:nvSpPr>
+          <p:cNvPr id="7" name="Flowchart: Summing Junction 6">
+            <a:extLst>
+              <a:ext uri="{FF2B5EF4-FFF2-40B4-BE49-F238E27FC236}">
+                <a16:creationId xmlns:a16="http://schemas.microsoft.com/office/drawing/2014/main" id="{227A150F-BF43-4B20-A160-2815E1DFCA20}"/>
+              </a:ext>
+            </a:extLst>
+          </p:cNvPr>
+          <p:cNvSpPr/>
+          <p:nvPr/>
+        </p:nvSpPr>
+        <p:spPr>
+          <a:xfrm>
+            <a:off x="9709265" y="5037513"/>
+            <a:ext cx="332510" cy="299258"/>
+          </a:xfrm>
+          <a:prstGeom prst="flowChartSummingJunction">
+            <a:avLst/>
+          </a:prstGeom>
+          <a:solidFill>
+            <a:srgbClr val="FFFF00"/>
+          </a:solidFill>
+        </p:spPr>
+        <p:style>
+          <a:lnRef idx="2">
+            <a:schemeClr val="accent1">
+              <a:shade val="50000"/>
+            </a:schemeClr>
+          </a:lnRef>
+          <a:fillRef idx="1">
+            <a:schemeClr val="accent1"/>
+          </a:fillRef>
+          <a:effectRef idx="0">
+            <a:schemeClr val="accent1"/>
+          </a:effectRef>
+          <a:fontRef idx="minor">
+            <a:schemeClr val="lt1"/>
+          </a:fontRef>
+        </p:style>
+        <p:txBody>
+          <a:bodyPr rtlCol="0" anchor="ctr"/>
+          <a:lstStyle/>
+          <a:p>
+            <a:pPr algn="ctr"/>
+            <a:endParaRPr lang="en-IN"/>
+          </a:p>
+        </p:txBody>
+      </p:sp>
+      <p:sp>
+        <p:nvSpPr>
+          <p:cNvPr id="8" name="Rectangle: Rounded Corners 7">
+            <a:extLst>
+              <a:ext uri="{FF2B5EF4-FFF2-40B4-BE49-F238E27FC236}">
+                <a16:creationId xmlns:a16="http://schemas.microsoft.com/office/drawing/2014/main" id="{A80E35CB-D2EC-4CE5-8B86-68679ADFE468}"/>
+              </a:ext>
+            </a:extLst>
+          </p:cNvPr>
+          <p:cNvSpPr/>
+          <p:nvPr/>
+        </p:nvSpPr>
+        <p:spPr>
+          <a:xfrm>
+            <a:off x="8645236" y="4106487"/>
+            <a:ext cx="663632" cy="2381271"/>
+          </a:xfrm>
+          <a:prstGeom prst="roundRect">
+            <a:avLst/>
+          </a:prstGeom>
+        </p:spPr>
+        <p:style>
+          <a:lnRef idx="2">
+            <a:schemeClr val="accent1">
+              <a:shade val="50000"/>
+            </a:schemeClr>
+          </a:lnRef>
+          <a:fillRef idx="1">
+            <a:schemeClr val="accent1"/>
+          </a:fillRef>
+          <a:effectRef idx="0">
+            <a:schemeClr val="accent1"/>
+          </a:effectRef>
+          <a:fontRef idx="minor">
+            <a:schemeClr val="lt1"/>
+          </a:fontRef>
+        </p:style>
+        <p:txBody>
+          <a:bodyPr rtlCol="0" anchor="ctr"/>
+          <a:lstStyle/>
+          <a:p>
+            <a:pPr algn="ctr"/>
+            <a:r>
+              <a:rPr lang="en-IN" sz="1400" dirty="0"/>
+              <a:t>Embedded System</a:t>
+            </a:r>
+          </a:p>
+        </p:txBody>
+      </p:sp>
+      <p:sp>
+        <p:nvSpPr>
+          <p:cNvPr id="9" name="TextBox 8">
+            <a:extLst>
+              <a:ext uri="{FF2B5EF4-FFF2-40B4-BE49-F238E27FC236}">
+                <a16:creationId xmlns:a16="http://schemas.microsoft.com/office/drawing/2014/main" id="{AB980A92-3161-46F4-816C-2B8C2F71C821}"/>
+              </a:ext>
+            </a:extLst>
+          </p:cNvPr>
+          <p:cNvSpPr txBox="1"/>
+          <p:nvPr/>
+        </p:nvSpPr>
+        <p:spPr>
+          <a:xfrm>
+            <a:off x="9424915" y="4711531"/>
+            <a:ext cx="901209" cy="369332"/>
+          </a:xfrm>
+          <a:prstGeom prst="rect">
+            <a:avLst/>
+          </a:prstGeom>
+          <a:noFill/>
+        </p:spPr>
+        <p:txBody>
+          <a:bodyPr wrap="none" rtlCol="0">
+            <a:spAutoFit/>
+          </a:bodyPr>
+          <a:lstStyle/>
+          <a:p>
+            <a:r>
+              <a:rPr lang="en-IN" dirty="0"/>
+              <a:t>Sensor</a:t>
+            </a:r>
+          </a:p>
+        </p:txBody>
+      </p:sp>
+      <p:cxnSp>
+        <p:nvCxnSpPr>
+          <p:cNvPr id="11" name="Straight Arrow Connector 10">
+            <a:extLst>
+              <a:ext uri="{FF2B5EF4-FFF2-40B4-BE49-F238E27FC236}">
+                <a16:creationId xmlns:a16="http://schemas.microsoft.com/office/drawing/2014/main" id="{417921C1-0B8B-49C4-B927-50CC60E100F7}"/>
+              </a:ext>
+            </a:extLst>
+          </p:cNvPr>
+          <p:cNvCxnSpPr>
+            <a:endCxn id="8" idx="3"/>
+          </p:cNvCxnSpPr>
+          <p:nvPr/>
+        </p:nvCxnSpPr>
+        <p:spPr>
+          <a:xfrm flipH="1">
+            <a:off x="9308868" y="5187142"/>
+            <a:ext cx="400397" cy="109981"/>
+          </a:xfrm>
+          <a:prstGeom prst="straightConnector1">
+            <a:avLst/>
+          </a:prstGeom>
+          <a:ln>
+            <a:solidFill>
+              <a:srgbClr val="FFFF00"/>
+            </a:solidFill>
+            <a:tailEnd type="triangle"/>
+          </a:ln>
+        </p:spPr>
+        <p:style>
+          <a:lnRef idx="1">
+            <a:schemeClr val="accent1"/>
+          </a:lnRef>
+          <a:fillRef idx="0">
+            <a:schemeClr val="accent1"/>
+          </a:fillRef>
+          <a:effectRef idx="0">
+            <a:schemeClr val="accent1"/>
+          </a:effectRef>
+          <a:fontRef idx="minor">
+            <a:schemeClr val="tx1"/>
+          </a:fontRef>
+        </p:style>
+      </p:cxnSp>
+      <p:cxnSp>
+        <p:nvCxnSpPr>
+          <p:cNvPr id="13" name="Straight Arrow Connector 12">
+            <a:extLst>
+              <a:ext uri="{FF2B5EF4-FFF2-40B4-BE49-F238E27FC236}">
+                <a16:creationId xmlns:a16="http://schemas.microsoft.com/office/drawing/2014/main" id="{7161265A-DFA9-41BB-81AB-D14DFC4D62DD}"/>
+              </a:ext>
+            </a:extLst>
+          </p:cNvPr>
+          <p:cNvCxnSpPr>
+            <a:cxnSpLocks/>
+            <a:endCxn id="6" idx="1"/>
+          </p:cNvCxnSpPr>
+          <p:nvPr/>
+        </p:nvCxnSpPr>
+        <p:spPr>
+          <a:xfrm flipV="1">
+            <a:off x="9308868" y="3303645"/>
+            <a:ext cx="1248295" cy="1083065"/>
+          </a:xfrm>
+          <a:prstGeom prst="straightConnector1">
+            <a:avLst/>
+          </a:prstGeom>
+          <a:ln w="53975">
+            <a:solidFill>
+              <a:srgbClr val="FFFF00"/>
+            </a:solidFill>
+            <a:tailEnd type="triangle"/>
+          </a:ln>
+        </p:spPr>
+        <p:style>
+          <a:lnRef idx="2">
+            <a:schemeClr val="accent2"/>
+          </a:lnRef>
+          <a:fillRef idx="0">
+            <a:schemeClr val="accent2"/>
+          </a:fillRef>
+          <a:effectRef idx="1">
+            <a:schemeClr val="accent2"/>
+          </a:effectRef>
+          <a:fontRef idx="minor">
+            <a:schemeClr val="tx1"/>
+          </a:fontRef>
+        </p:style>
+      </p:cxnSp>
+      <p:sp>
+        <p:nvSpPr>
+          <p:cNvPr id="14" name="Rectangle: Rounded Corners 13">
+            <a:extLst>
+              <a:ext uri="{FF2B5EF4-FFF2-40B4-BE49-F238E27FC236}">
+                <a16:creationId xmlns:a16="http://schemas.microsoft.com/office/drawing/2014/main" id="{D09CAB1C-ECFF-480E-863A-E0709F7F3959}"/>
+              </a:ext>
+            </a:extLst>
+          </p:cNvPr>
+          <p:cNvSpPr/>
+          <p:nvPr/>
+        </p:nvSpPr>
+        <p:spPr>
+          <a:xfrm>
+            <a:off x="8212975" y="615142"/>
+            <a:ext cx="1995054" cy="567834"/>
+          </a:xfrm>
+          <a:prstGeom prst="roundRect">
+            <a:avLst/>
+          </a:prstGeom>
+          <a:solidFill>
+            <a:schemeClr val="bg2">
+              <a:lumMod val="40000"/>
+              <a:lumOff val="60000"/>
+            </a:schemeClr>
+          </a:solidFill>
+        </p:spPr>
+        <p:style>
+          <a:lnRef idx="2">
+            <a:schemeClr val="accent1">
+              <a:shade val="50000"/>
+            </a:schemeClr>
+          </a:lnRef>
+          <a:fillRef idx="1">
+            <a:schemeClr val="accent1"/>
+          </a:fillRef>
+          <a:effectRef idx="0">
+            <a:schemeClr val="accent1"/>
+          </a:effectRef>
+          <a:fontRef idx="minor">
+            <a:schemeClr val="lt1"/>
+          </a:fontRef>
+        </p:style>
+        <p:txBody>
+          <a:bodyPr rtlCol="0" anchor="ctr"/>
+          <a:lstStyle/>
+          <a:p>
+            <a:pPr algn="ctr"/>
+            <a:r>
+              <a:rPr lang="en-IN" dirty="0"/>
+              <a:t>Server</a:t>
+            </a:r>
+          </a:p>
+        </p:txBody>
+      </p:sp>
+      <p:cxnSp>
+        <p:nvCxnSpPr>
+          <p:cNvPr id="15" name="Straight Arrow Connector 14">
+            <a:extLst>
+              <a:ext uri="{FF2B5EF4-FFF2-40B4-BE49-F238E27FC236}">
+                <a16:creationId xmlns:a16="http://schemas.microsoft.com/office/drawing/2014/main" id="{FE8AAFFB-8AAF-4D93-AD50-BA36A903825F}"/>
+              </a:ext>
+            </a:extLst>
+          </p:cNvPr>
+          <p:cNvCxnSpPr>
+            <a:cxnSpLocks/>
+            <a:stCxn id="6" idx="3"/>
+          </p:cNvCxnSpPr>
+          <p:nvPr/>
+        </p:nvCxnSpPr>
+        <p:spPr>
+          <a:xfrm flipH="1" flipV="1">
+            <a:off x="9210503" y="1181985"/>
+            <a:ext cx="1346660" cy="1244858"/>
+          </a:xfrm>
+          <a:prstGeom prst="straightConnector1">
+            <a:avLst/>
+          </a:prstGeom>
+          <a:ln w="53975">
+            <a:solidFill>
+              <a:srgbClr val="FFFF00"/>
+            </a:solidFill>
+            <a:tailEnd type="triangle"/>
+          </a:ln>
+        </p:spPr>
+        <p:style>
+          <a:lnRef idx="2">
+            <a:schemeClr val="accent2"/>
+          </a:lnRef>
+          <a:fillRef idx="0">
+            <a:schemeClr val="accent2"/>
+          </a:fillRef>
+          <a:effectRef idx="1">
+            <a:schemeClr val="accent2"/>
+          </a:effectRef>
+          <a:fontRef idx="minor">
+            <a:schemeClr val="tx1"/>
+          </a:fontRef>
+        </p:style>
+      </p:cxnSp>
+      <p:pic>
+        <p:nvPicPr>
+          <p:cNvPr id="20" name="Picture 19">
+            <a:extLst>
+              <a:ext uri="{FF2B5EF4-FFF2-40B4-BE49-F238E27FC236}">
+                <a16:creationId xmlns:a16="http://schemas.microsoft.com/office/drawing/2014/main" id="{16137E50-A643-4FA5-8E53-BF0CF0A7BFA0}"/>
+              </a:ext>
+            </a:extLst>
+          </p:cNvPr>
+          <p:cNvPicPr>
+            <a:picLocks noChangeAspect="1"/>
+          </p:cNvPicPr>
+          <p:nvPr/>
+        </p:nvPicPr>
+        <p:blipFill>
+          <a:blip r:embed="rId3"/>
+          <a:stretch>
+            <a:fillRect/>
+          </a:stretch>
+        </p:blipFill>
+        <p:spPr>
+          <a:xfrm>
+            <a:off x="3299807" y="235319"/>
+            <a:ext cx="4350326" cy="2447911"/>
+          </a:xfrm>
+          <a:prstGeom prst="rect">
+            <a:avLst/>
+          </a:prstGeom>
+        </p:spPr>
+      </p:pic>
+      <p:cxnSp>
+        <p:nvCxnSpPr>
+          <p:cNvPr id="22" name="Straight Arrow Connector 21">
+            <a:extLst>
+              <a:ext uri="{FF2B5EF4-FFF2-40B4-BE49-F238E27FC236}">
+                <a16:creationId xmlns:a16="http://schemas.microsoft.com/office/drawing/2014/main" id="{5562C600-93BD-4BC8-A984-A4A3A3240705}"/>
+              </a:ext>
+            </a:extLst>
+          </p:cNvPr>
+          <p:cNvCxnSpPr>
+            <a:stCxn id="14" idx="1"/>
+            <a:endCxn id="20" idx="3"/>
+          </p:cNvCxnSpPr>
+          <p:nvPr/>
+        </p:nvCxnSpPr>
+        <p:spPr>
+          <a:xfrm flipH="1">
+            <a:off x="7650133" y="899059"/>
+            <a:ext cx="562842" cy="560216"/>
+          </a:xfrm>
+          <a:prstGeom prst="straightConnector1">
+            <a:avLst/>
+          </a:prstGeom>
+          <a:ln w="50800">
+            <a:solidFill>
+              <a:srgbClr val="FFFF00"/>
+            </a:solidFill>
+            <a:tailEnd type="triangle"/>
+          </a:ln>
+        </p:spPr>
+        <p:style>
+          <a:lnRef idx="1">
+            <a:schemeClr val="accent1"/>
+          </a:lnRef>
+          <a:fillRef idx="0">
+            <a:schemeClr val="accent1"/>
+          </a:fillRef>
+          <a:effectRef idx="0">
+            <a:schemeClr val="accent1"/>
+          </a:effectRef>
+          <a:fontRef idx="minor">
+            <a:schemeClr val="tx1"/>
+          </a:fontRef>
+        </p:style>
+      </p:cxnSp>
     </p:spTree>
     <p:extLst>
       <p:ext uri="{BB962C8B-B14F-4D97-AF65-F5344CB8AC3E}">
-        <p14:creationId xmlns:p14="http://schemas.microsoft.com/office/powerpoint/2010/main" val="1797572419"/>
+        <p14:creationId xmlns:p14="http://schemas.microsoft.com/office/powerpoint/2010/main" val="1931422"/>
       </p:ext>
     </p:extLst>
   </p:cSld>
@@ -8376,45 +8870,10 @@
       </p:grpSpPr>
       <p:sp>
         <p:nvSpPr>
-          <p:cNvPr id="5" name="TextBox 4">
+          <p:cNvPr id="2" name="Title 1">
             <a:extLst>
               <a:ext uri="{FF2B5EF4-FFF2-40B4-BE49-F238E27FC236}">
-                <a16:creationId xmlns:a16="http://schemas.microsoft.com/office/drawing/2014/main" id="{15812C04-4972-48B8-A419-1F4271CCD452}"/>
-              </a:ext>
-            </a:extLst>
-          </p:cNvPr>
-          <p:cNvSpPr txBox="1"/>
-          <p:nvPr/>
-        </p:nvSpPr>
-        <p:spPr>
-          <a:xfrm>
-            <a:off x="646111" y="2377441"/>
-            <a:ext cx="4263514" cy="646331"/>
-          </a:xfrm>
-          <a:prstGeom prst="rect">
-            <a:avLst/>
-          </a:prstGeom>
-          <a:noFill/>
-        </p:spPr>
-        <p:txBody>
-          <a:bodyPr wrap="square" rtlCol="0">
-            <a:spAutoFit/>
-          </a:bodyPr>
-          <a:lstStyle/>
-          <a:p>
-            <a:endParaRPr lang="en-IN" dirty="0"/>
-          </a:p>
-          <a:p>
-            <a:endParaRPr lang="en-IN" dirty="0"/>
-          </a:p>
-        </p:txBody>
-      </p:sp>
-      <p:sp>
-        <p:nvSpPr>
-          <p:cNvPr id="4" name="Title 3">
-            <a:extLst>
-              <a:ext uri="{FF2B5EF4-FFF2-40B4-BE49-F238E27FC236}">
-                <a16:creationId xmlns:a16="http://schemas.microsoft.com/office/drawing/2014/main" id="{AA43593A-11F9-4B5D-B77B-7C8D70285F7D}"/>
+                <a16:creationId xmlns:a16="http://schemas.microsoft.com/office/drawing/2014/main" id="{23FFDD16-5877-4925-941A-93EC00B5A86E}"/>
               </a:ext>
             </a:extLst>
           </p:cNvPr>
@@ -8428,7 +8887,7 @@
         <p:spPr>
           <a:xfrm>
             <a:off x="646111" y="452718"/>
-            <a:ext cx="9404723" cy="1114825"/>
+            <a:ext cx="9404723" cy="629633"/>
           </a:xfrm>
         </p:spPr>
         <p:txBody>
@@ -8437,42 +8896,189 @@
           <a:p>
             <a:r>
               <a:rPr lang="en-IN" dirty="0"/>
-              <a:t>Results</a:t>
-            </a:r>
-          </a:p>
-        </p:txBody>
-      </p:sp>
-      <p:sp>
-        <p:nvSpPr>
-          <p:cNvPr id="7" name="TextBox 6">
+              <a:t>Solution &amp; Results</a:t>
+            </a:r>
+          </a:p>
+        </p:txBody>
+      </p:sp>
+      <p:sp>
+        <p:nvSpPr>
+          <p:cNvPr id="4" name="Rectangle: Rounded Corners 3">
             <a:extLst>
               <a:ext uri="{FF2B5EF4-FFF2-40B4-BE49-F238E27FC236}">
-                <a16:creationId xmlns:a16="http://schemas.microsoft.com/office/drawing/2014/main" id="{42BA8BF5-523D-454F-B889-BC3AB83880C9}"/>
+                <a16:creationId xmlns:a16="http://schemas.microsoft.com/office/drawing/2014/main" id="{318765F1-78FA-403E-9FC5-58F9C70FB6AC}"/>
               </a:ext>
             </a:extLst>
           </p:cNvPr>
-          <p:cNvSpPr txBox="1"/>
+          <p:cNvSpPr/>
           <p:nvPr/>
         </p:nvSpPr>
         <p:spPr>
           <a:xfrm>
-            <a:off x="435429" y="2220686"/>
-            <a:ext cx="11110460" cy="2308324"/>
+            <a:off x="198244" y="1196561"/>
+            <a:ext cx="2414328" cy="2386394"/>
+          </a:xfrm>
+          <a:prstGeom prst="roundRect">
+            <a:avLst/>
+          </a:prstGeom>
+          <a:solidFill>
+            <a:srgbClr val="92D050"/>
+          </a:solidFill>
+          <a:ln>
+            <a:solidFill>
+              <a:srgbClr val="92D050"/>
+            </a:solidFill>
+          </a:ln>
+        </p:spPr>
+        <p:style>
+          <a:lnRef idx="2">
+            <a:schemeClr val="accent1">
+              <a:shade val="50000"/>
+            </a:schemeClr>
+          </a:lnRef>
+          <a:fillRef idx="1">
+            <a:schemeClr val="accent1"/>
+          </a:fillRef>
+          <a:effectRef idx="0">
+            <a:schemeClr val="accent1"/>
+          </a:effectRef>
+          <a:fontRef idx="minor">
+            <a:schemeClr val="lt1"/>
+          </a:fontRef>
+        </p:style>
+        <p:txBody>
+          <a:bodyPr rtlCol="0" anchor="ctr"/>
+          <a:lstStyle/>
+          <a:p>
+            <a:pPr algn="ctr"/>
+            <a:r>
+              <a:rPr lang="en-IN" dirty="0"/>
+              <a:t>This is exactly where </a:t>
+            </a:r>
+            <a:r>
+              <a:rPr lang="en-IN" dirty="0" err="1"/>
+              <a:t>Thingworx</a:t>
+            </a:r>
+            <a:r>
+              <a:rPr lang="en-IN" dirty="0"/>
+              <a:t> was identified as solution</a:t>
+            </a:r>
+          </a:p>
+        </p:txBody>
+      </p:sp>
+      <p:sp>
+        <p:nvSpPr>
+          <p:cNvPr id="7" name="Rectangle 6">
+            <a:extLst>
+              <a:ext uri="{FF2B5EF4-FFF2-40B4-BE49-F238E27FC236}">
+                <a16:creationId xmlns:a16="http://schemas.microsoft.com/office/drawing/2014/main" id="{3BF37784-40FA-427C-9CF6-C83E1AF389B6}"/>
+              </a:ext>
+            </a:extLst>
+          </p:cNvPr>
+          <p:cNvSpPr/>
+          <p:nvPr/>
+        </p:nvSpPr>
+        <p:spPr>
+          <a:xfrm>
+            <a:off x="3109393" y="6035950"/>
+            <a:ext cx="1822935" cy="646331"/>
           </a:xfrm>
           <a:prstGeom prst="rect">
             <a:avLst/>
           </a:prstGeom>
-          <a:noFill/>
-        </p:spPr>
-        <p:txBody>
-          <a:bodyPr wrap="square" rtlCol="0">
+        </p:spPr>
+        <p:txBody>
+          <a:bodyPr wrap="none">
             <a:spAutoFit/>
           </a:bodyPr>
           <a:lstStyle/>
           <a:p>
             <a:r>
               <a:rPr lang="en-IN" dirty="0"/>
-              <a:t>The rapid application development capabilities of </a:t>
+              <a:t> Philip .J. Johns</a:t>
+            </a:r>
+          </a:p>
+          <a:p>
+            <a:r>
+              <a:rPr lang="en-IN" dirty="0"/>
+              <a:t>CEO of EET</a:t>
+            </a:r>
+          </a:p>
+        </p:txBody>
+      </p:sp>
+      <p:sp>
+        <p:nvSpPr>
+          <p:cNvPr id="9" name="Speech Bubble: Oval 8">
+            <a:extLst>
+              <a:ext uri="{FF2B5EF4-FFF2-40B4-BE49-F238E27FC236}">
+                <a16:creationId xmlns:a16="http://schemas.microsoft.com/office/drawing/2014/main" id="{63F9A7DF-CA3C-4008-839E-BB4CB0D2F8FF}"/>
+              </a:ext>
+            </a:extLst>
+          </p:cNvPr>
+          <p:cNvSpPr/>
+          <p:nvPr/>
+        </p:nvSpPr>
+        <p:spPr>
+          <a:xfrm>
+            <a:off x="2773950" y="767534"/>
+            <a:ext cx="8865703" cy="4775626"/>
+          </a:xfrm>
+          <a:prstGeom prst="wedgeEllipseCallout">
+            <a:avLst/>
+          </a:prstGeom>
+          <a:gradFill flip="none" rotWithShape="1">
+            <a:gsLst>
+              <a:gs pos="0">
+                <a:schemeClr val="accent1">
+                  <a:lumMod val="0"/>
+                  <a:lumOff val="100000"/>
+                </a:schemeClr>
+              </a:gs>
+              <a:gs pos="0">
+                <a:schemeClr val="accent1">
+                  <a:lumMod val="0"/>
+                  <a:lumOff val="100000"/>
+                </a:schemeClr>
+              </a:gs>
+              <a:gs pos="52000">
+                <a:srgbClr val="0070C0"/>
+              </a:gs>
+            </a:gsLst>
+            <a:lin ang="2700000" scaled="1"/>
+            <a:tileRect/>
+          </a:gradFill>
+        </p:spPr>
+        <p:style>
+          <a:lnRef idx="2">
+            <a:schemeClr val="accent1">
+              <a:shade val="50000"/>
+            </a:schemeClr>
+          </a:lnRef>
+          <a:fillRef idx="1">
+            <a:schemeClr val="accent1"/>
+          </a:fillRef>
+          <a:effectRef idx="0">
+            <a:schemeClr val="accent1"/>
+          </a:effectRef>
+          <a:fontRef idx="minor">
+            <a:schemeClr val="lt1"/>
+          </a:fontRef>
+        </p:style>
+        <p:txBody>
+          <a:bodyPr rtlCol="0" anchor="ctr"/>
+          <a:lstStyle/>
+          <a:p>
+            <a:r>
+              <a:rPr lang="en-IN" dirty="0"/>
+              <a:t>In fact, the work that was planned to create the new platform was scoped to be  done </a:t>
+            </a:r>
+            <a:r>
+              <a:rPr lang="en-IN" b="1" dirty="0"/>
+              <a:t>by three developers</a:t>
+            </a:r>
+            <a:r>
+              <a:rPr lang="en-IN" dirty="0"/>
+              <a:t>, but due to the ease of use of the platform, Embedded   Energy Technology only needed to have one developer, “and that cost saving  helped to justify the purchase of </a:t>
             </a:r>
             <a:r>
               <a:rPr lang="en-IN" dirty="0" err="1"/>
@@ -8480,15 +9086,7 @@
             </a:r>
             <a:r>
               <a:rPr lang="en-IN" dirty="0"/>
-              <a:t>  enabled  </a:t>
-            </a:r>
-            <a:r>
-              <a:rPr lang="en-IN" dirty="0" err="1"/>
-              <a:t>Vantron’s</a:t>
-            </a:r>
-            <a:r>
-              <a:rPr lang="en-IN" dirty="0"/>
-              <a:t> engineers to add  connectivity and completing the </a:t>
+              <a:t>” . “We also see efficiencies  with the backend work that we have to do such as updating gateway software,  or commissioning new sensors. With </a:t>
             </a:r>
             <a:r>
               <a:rPr lang="en-IN" dirty="0" err="1"/>
@@ -8496,50 +9094,166 @@
             </a:r>
             <a:r>
               <a:rPr lang="en-IN" dirty="0"/>
-              <a:t> integration within  2-3 weeks.</a:t>
-            </a:r>
-          </a:p>
-          <a:p>
-            <a:endParaRPr lang="en-IN" dirty="0"/>
-          </a:p>
-          <a:p>
-            <a:r>
-              <a:rPr lang="en-IN" dirty="0"/>
-              <a:t>Having intelligently connected systems and devices provides </a:t>
-            </a:r>
-            <a:r>
-              <a:rPr lang="en-IN" dirty="0" err="1"/>
-              <a:t>Vantron</a:t>
-            </a:r>
-            <a:r>
-              <a:rPr lang="en-IN" dirty="0"/>
-              <a:t> with a </a:t>
-            </a:r>
-          </a:p>
-          <a:p>
-            <a:r>
-              <a:rPr lang="en-IN" dirty="0"/>
-              <a:t>differentiated offering.  - an industry-standard way for  customers to have their devices easily </a:t>
-            </a:r>
-          </a:p>
-          <a:p>
-            <a:r>
-              <a:rPr lang="en-IN" dirty="0"/>
-              <a:t>connected with minimal effort.</a:t>
-            </a:r>
-          </a:p>
-          <a:p>
-            <a:endParaRPr lang="en-IN" dirty="0"/>
-          </a:p>
-          <a:p>
-            <a:endParaRPr lang="en-IN" dirty="0"/>
+              <a:t>, these can now be automated  rather than engaging someone to run scripts on each system</a:t>
+            </a:r>
+          </a:p>
+        </p:txBody>
+      </p:sp>
+      <p:sp>
+        <p:nvSpPr>
+          <p:cNvPr id="10" name="Rectangle 9">
+            <a:extLst>
+              <a:ext uri="{FF2B5EF4-FFF2-40B4-BE49-F238E27FC236}">
+                <a16:creationId xmlns:a16="http://schemas.microsoft.com/office/drawing/2014/main" id="{67CA35AD-F327-4869-8018-191F2DBDCAE4}"/>
+              </a:ext>
+            </a:extLst>
+          </p:cNvPr>
+          <p:cNvSpPr/>
+          <p:nvPr/>
+        </p:nvSpPr>
+        <p:spPr>
+          <a:xfrm>
+            <a:off x="6612294" y="5857976"/>
+            <a:ext cx="5386874" cy="830997"/>
+          </a:xfrm>
+          <a:prstGeom prst="rect">
+            <a:avLst/>
+          </a:prstGeom>
+          <a:ln>
+            <a:solidFill>
+              <a:srgbClr val="92D050"/>
+            </a:solidFill>
+          </a:ln>
+        </p:spPr>
+        <p:txBody>
+          <a:bodyPr wrap="square">
+            <a:spAutoFit/>
+          </a:bodyPr>
+          <a:lstStyle/>
+          <a:p>
+            <a:r>
+              <a:rPr lang="en-IN" sz="1200" dirty="0"/>
+              <a:t>Ref: https://www.ptc.com/-/media/Files/PDFs/IoT/embedded-energy-technology_monitoring-real-time-energy-savings.pdf?la=en&amp;hash=73F9FC98844E820CD0C043F06BFA91B0FFAA4CDF</a:t>
+            </a:r>
           </a:p>
         </p:txBody>
       </p:sp>
     </p:spTree>
     <p:extLst>
       <p:ext uri="{BB962C8B-B14F-4D97-AF65-F5344CB8AC3E}">
-        <p14:creationId xmlns:p14="http://schemas.microsoft.com/office/powerpoint/2010/main" val="3730810508"/>
+        <p14:creationId xmlns:p14="http://schemas.microsoft.com/office/powerpoint/2010/main" val="2683551894"/>
+      </p:ext>
+    </p:extLst>
+  </p:cSld>
+  <p:clrMapOvr>
+    <a:masterClrMapping/>
+  </p:clrMapOvr>
+</p:sld>
+</file>
+
+<file path=ppt/slides/slide19.xml><?xml version="1.0" encoding="utf-8"?>
+<p:sld xmlns:a="http://schemas.openxmlformats.org/drawingml/2006/main" xmlns:r="http://schemas.openxmlformats.org/officeDocument/2006/relationships" xmlns:p="http://schemas.openxmlformats.org/presentationml/2006/main">
+  <p:cSld>
+    <p:spTree>
+      <p:nvGrpSpPr>
+        <p:cNvPr id="1" name=""/>
+        <p:cNvGrpSpPr/>
+        <p:nvPr/>
+      </p:nvGrpSpPr>
+      <p:grpSpPr>
+        <a:xfrm>
+          <a:off x="0" y="0"/>
+          <a:ext cx="0" cy="0"/>
+          <a:chOff x="0" y="0"/>
+          <a:chExt cx="0" cy="0"/>
+        </a:xfrm>
+      </p:grpSpPr>
+      <p:sp>
+        <p:nvSpPr>
+          <p:cNvPr id="3" name="Title 2">
+            <a:extLst>
+              <a:ext uri="{FF2B5EF4-FFF2-40B4-BE49-F238E27FC236}">
+                <a16:creationId xmlns:a16="http://schemas.microsoft.com/office/drawing/2014/main" id="{DA68F0D0-E15D-4AE4-9656-A3D323BDDF04}"/>
+              </a:ext>
+            </a:extLst>
+          </p:cNvPr>
+          <p:cNvSpPr>
+            <a:spLocks noGrp="1"/>
+          </p:cNvSpPr>
+          <p:nvPr>
+            <p:ph type="title"/>
+          </p:nvPr>
+        </p:nvSpPr>
+        <p:spPr>
+          <a:xfrm>
+            <a:off x="602568" y="2441175"/>
+            <a:ext cx="9404723" cy="1400530"/>
+          </a:xfrm>
+        </p:spPr>
+        <p:txBody>
+          <a:bodyPr/>
+          <a:lstStyle/>
+          <a:p>
+            <a:r>
+              <a:rPr lang="en-IN" dirty="0" err="1"/>
+              <a:t>ThingWorx</a:t>
+            </a:r>
+            <a:r>
+              <a:rPr lang="en-IN" dirty="0"/>
+              <a:t> delivers business</a:t>
+            </a:r>
+            <a:br>
+              <a:rPr lang="en-IN" dirty="0"/>
+            </a:br>
+            <a:r>
+              <a:rPr lang="en-IN" dirty="0"/>
+              <a:t>differentiation to </a:t>
+            </a:r>
+            <a:r>
+              <a:rPr lang="en-IN" dirty="0" err="1"/>
+              <a:t>Vantron</a:t>
+            </a:r>
+            <a:br>
+              <a:rPr lang="en-IN" dirty="0"/>
+            </a:br>
+            <a:endParaRPr lang="en-IN" dirty="0"/>
+          </a:p>
+        </p:txBody>
+      </p:sp>
+      <p:pic>
+        <p:nvPicPr>
+          <p:cNvPr id="9" name="Picture 8">
+            <a:extLst>
+              <a:ext uri="{FF2B5EF4-FFF2-40B4-BE49-F238E27FC236}">
+                <a16:creationId xmlns:a16="http://schemas.microsoft.com/office/drawing/2014/main" id="{47EB9BD1-6AE6-4E38-9326-E4602B14015F}"/>
+              </a:ext>
+            </a:extLst>
+          </p:cNvPr>
+          <p:cNvPicPr>
+            <a:picLocks noChangeAspect="1"/>
+          </p:cNvPicPr>
+          <p:nvPr/>
+        </p:nvPicPr>
+        <p:blipFill>
+          <a:blip r:embed="rId2"/>
+          <a:stretch>
+            <a:fillRect/>
+          </a:stretch>
+        </p:blipFill>
+        <p:spPr>
+          <a:xfrm>
+            <a:off x="9771516" y="6021160"/>
+            <a:ext cx="2257425" cy="476250"/>
+          </a:xfrm>
+          <a:prstGeom prst="rect">
+            <a:avLst/>
+          </a:prstGeom>
+        </p:spPr>
+      </p:pic>
+    </p:spTree>
+    <p:extLst>
+      <p:ext uri="{BB962C8B-B14F-4D97-AF65-F5344CB8AC3E}">
+        <p14:creationId xmlns:p14="http://schemas.microsoft.com/office/powerpoint/2010/main" val="3570125493"/>
       </p:ext>
     </p:extLst>
   </p:cSld>
@@ -8811,6 +9525,794 @@
     <p:extLst>
       <p:ext uri="{BB962C8B-B14F-4D97-AF65-F5344CB8AC3E}">
         <p14:creationId xmlns:p14="http://schemas.microsoft.com/office/powerpoint/2010/main" val="1573638334"/>
+      </p:ext>
+    </p:extLst>
+  </p:cSld>
+  <p:clrMapOvr>
+    <a:masterClrMapping/>
+  </p:clrMapOvr>
+</p:sld>
+</file>
+
+<file path=ppt/slides/slide20.xml><?xml version="1.0" encoding="utf-8"?>
+<p:sld xmlns:a="http://schemas.openxmlformats.org/drawingml/2006/main" xmlns:r="http://schemas.openxmlformats.org/officeDocument/2006/relationships" xmlns:p="http://schemas.openxmlformats.org/presentationml/2006/main">
+  <p:cSld>
+    <p:spTree>
+      <p:nvGrpSpPr>
+        <p:cNvPr id="1" name=""/>
+        <p:cNvGrpSpPr/>
+        <p:nvPr/>
+      </p:nvGrpSpPr>
+      <p:grpSpPr>
+        <a:xfrm>
+          <a:off x="0" y="0"/>
+          <a:ext cx="0" cy="0"/>
+          <a:chOff x="0" y="0"/>
+          <a:chExt cx="0" cy="0"/>
+        </a:xfrm>
+      </p:grpSpPr>
+      <p:sp>
+        <p:nvSpPr>
+          <p:cNvPr id="2" name="Rectangle 1">
+            <a:extLst>
+              <a:ext uri="{FF2B5EF4-FFF2-40B4-BE49-F238E27FC236}">
+                <a16:creationId xmlns:a16="http://schemas.microsoft.com/office/drawing/2014/main" id="{4405CCE8-1C97-4A38-9DB4-4382B6B17323}"/>
+              </a:ext>
+            </a:extLst>
+          </p:cNvPr>
+          <p:cNvSpPr/>
+          <p:nvPr/>
+        </p:nvSpPr>
+        <p:spPr>
+          <a:xfrm>
+            <a:off x="580571" y="1712685"/>
+            <a:ext cx="11045372" cy="2677656"/>
+          </a:xfrm>
+          <a:prstGeom prst="rect">
+            <a:avLst/>
+          </a:prstGeom>
+        </p:spPr>
+        <p:txBody>
+          <a:bodyPr wrap="square">
+            <a:spAutoFit/>
+          </a:bodyPr>
+          <a:lstStyle/>
+          <a:p>
+            <a:pPr marL="285750" indent="-285750">
+              <a:buFont typeface="Wingdings" panose="05000000000000000000" pitchFamily="2" charset="2"/>
+              <a:buChar char="ü"/>
+            </a:pPr>
+            <a:r>
+              <a:rPr lang="en-IN" sz="2800" dirty="0" err="1">
+                <a:latin typeface="Arial" panose="020B0604020202020204" pitchFamily="34" charset="0"/>
+              </a:rPr>
+              <a:t>Vantron</a:t>
+            </a:r>
+            <a:r>
+              <a:rPr lang="en-IN" sz="2800" dirty="0">
+                <a:latin typeface="Arial" panose="020B0604020202020204" pitchFamily="34" charset="0"/>
+              </a:rPr>
+              <a:t> Technology is a leading provider of  low-power embedded system and software  solutions to OEM/ODM customers. </a:t>
+            </a:r>
+          </a:p>
+          <a:p>
+            <a:pPr marL="285750" indent="-285750">
+              <a:buFont typeface="Wingdings" panose="05000000000000000000" pitchFamily="2" charset="2"/>
+              <a:buChar char="ü"/>
+            </a:pPr>
+            <a:endParaRPr lang="en-IN" sz="2800" dirty="0">
+              <a:latin typeface="Arial" panose="020B0604020202020204" pitchFamily="34" charset="0"/>
+            </a:endParaRPr>
+          </a:p>
+          <a:p>
+            <a:pPr marL="285750" indent="-285750">
+              <a:buFont typeface="Wingdings" panose="05000000000000000000" pitchFamily="2" charset="2"/>
+              <a:buChar char="ü"/>
+            </a:pPr>
+            <a:r>
+              <a:rPr lang="en-IN" sz="2800" dirty="0" err="1">
+                <a:latin typeface="Arial" panose="020B0604020202020204" pitchFamily="34" charset="0"/>
+              </a:rPr>
+              <a:t>Vantron</a:t>
+            </a:r>
+            <a:r>
+              <a:rPr lang="en-IN" sz="2800" dirty="0">
+                <a:latin typeface="Arial" panose="020B0604020202020204" pitchFamily="34" charset="0"/>
+              </a:rPr>
+              <a:t>  also provides assistance in application software  development, tailoring its embedded systems  based on customers’ requirements, and turn- key manufacturing services.</a:t>
+            </a:r>
+            <a:endParaRPr lang="en-IN" sz="2800" dirty="0">
+              <a:effectLst/>
+              <a:latin typeface="Arial" panose="020B0604020202020204" pitchFamily="34" charset="0"/>
+            </a:endParaRPr>
+          </a:p>
+        </p:txBody>
+      </p:sp>
+      <p:pic>
+        <p:nvPicPr>
+          <p:cNvPr id="5" name="Picture 4">
+            <a:extLst>
+              <a:ext uri="{FF2B5EF4-FFF2-40B4-BE49-F238E27FC236}">
+                <a16:creationId xmlns:a16="http://schemas.microsoft.com/office/drawing/2014/main" id="{CCC0329C-EDBE-4040-A01E-13E7D934358D}"/>
+              </a:ext>
+            </a:extLst>
+          </p:cNvPr>
+          <p:cNvPicPr>
+            <a:picLocks noChangeAspect="1"/>
+          </p:cNvPicPr>
+          <p:nvPr/>
+        </p:nvPicPr>
+        <p:blipFill>
+          <a:blip r:embed="rId2"/>
+          <a:stretch>
+            <a:fillRect/>
+          </a:stretch>
+        </p:blipFill>
+        <p:spPr>
+          <a:xfrm>
+            <a:off x="9771516" y="6021160"/>
+            <a:ext cx="2257425" cy="476250"/>
+          </a:xfrm>
+          <a:prstGeom prst="rect">
+            <a:avLst/>
+          </a:prstGeom>
+        </p:spPr>
+      </p:pic>
+    </p:spTree>
+    <p:extLst>
+      <p:ext uri="{BB962C8B-B14F-4D97-AF65-F5344CB8AC3E}">
+        <p14:creationId xmlns:p14="http://schemas.microsoft.com/office/powerpoint/2010/main" val="59326562"/>
+      </p:ext>
+    </p:extLst>
+  </p:cSld>
+  <p:clrMapOvr>
+    <a:masterClrMapping/>
+  </p:clrMapOvr>
+</p:sld>
+</file>
+
+<file path=ppt/slides/slide21.xml><?xml version="1.0" encoding="utf-8"?>
+<p:sld xmlns:a="http://schemas.openxmlformats.org/drawingml/2006/main" xmlns:r="http://schemas.openxmlformats.org/officeDocument/2006/relationships" xmlns:p="http://schemas.openxmlformats.org/presentationml/2006/main">
+  <p:cSld>
+    <p:spTree>
+      <p:nvGrpSpPr>
+        <p:cNvPr id="1" name=""/>
+        <p:cNvGrpSpPr/>
+        <p:nvPr/>
+      </p:nvGrpSpPr>
+      <p:grpSpPr>
+        <a:xfrm>
+          <a:off x="0" y="0"/>
+          <a:ext cx="0" cy="0"/>
+          <a:chOff x="0" y="0"/>
+          <a:chExt cx="0" cy="0"/>
+        </a:xfrm>
+      </p:grpSpPr>
+      <p:sp>
+        <p:nvSpPr>
+          <p:cNvPr id="4" name="Title 3">
+            <a:extLst>
+              <a:ext uri="{FF2B5EF4-FFF2-40B4-BE49-F238E27FC236}">
+                <a16:creationId xmlns:a16="http://schemas.microsoft.com/office/drawing/2014/main" id="{B1C8B2E5-DA4E-47EA-BE7E-21A7E2709501}"/>
+              </a:ext>
+            </a:extLst>
+          </p:cNvPr>
+          <p:cNvSpPr>
+            <a:spLocks noGrp="1"/>
+          </p:cNvSpPr>
+          <p:nvPr>
+            <p:ph type="title"/>
+          </p:nvPr>
+        </p:nvSpPr>
+        <p:spPr>
+          <a:xfrm>
+            <a:off x="646111" y="452718"/>
+            <a:ext cx="9404723" cy="795511"/>
+          </a:xfrm>
+        </p:spPr>
+        <p:txBody>
+          <a:bodyPr/>
+          <a:lstStyle/>
+          <a:p>
+            <a:r>
+              <a:rPr lang="en-IN" dirty="0"/>
+              <a:t>Problem</a:t>
+            </a:r>
+          </a:p>
+        </p:txBody>
+      </p:sp>
+      <p:sp>
+        <p:nvSpPr>
+          <p:cNvPr id="5" name="Rectangle 4">
+            <a:extLst>
+              <a:ext uri="{FF2B5EF4-FFF2-40B4-BE49-F238E27FC236}">
+                <a16:creationId xmlns:a16="http://schemas.microsoft.com/office/drawing/2014/main" id="{BE2083DD-54FD-47AA-BC9D-F0A33EE4DBAD}"/>
+              </a:ext>
+            </a:extLst>
+          </p:cNvPr>
+          <p:cNvSpPr/>
+          <p:nvPr/>
+        </p:nvSpPr>
+        <p:spPr>
+          <a:xfrm>
+            <a:off x="254000" y="1182147"/>
+            <a:ext cx="11684000" cy="5632311"/>
+          </a:xfrm>
+          <a:prstGeom prst="rect">
+            <a:avLst/>
+          </a:prstGeom>
+        </p:spPr>
+        <p:txBody>
+          <a:bodyPr wrap="square">
+            <a:spAutoFit/>
+          </a:bodyPr>
+          <a:lstStyle/>
+          <a:p>
+            <a:pPr marL="285750" indent="-285750">
+              <a:buFont typeface="Wingdings" panose="05000000000000000000" pitchFamily="2" charset="2"/>
+              <a:buChar char="ü"/>
+            </a:pPr>
+            <a:r>
+              <a:rPr lang="en-IN" sz="2400" dirty="0">
+                <a:latin typeface="Arial" panose="020B0604020202020204" pitchFamily="34" charset="0"/>
+                <a:cs typeface="Arial" panose="020B0604020202020204" pitchFamily="34" charset="0"/>
+              </a:rPr>
+              <a:t> </a:t>
+            </a:r>
+            <a:r>
+              <a:rPr lang="en-IN" sz="2400" dirty="0" err="1">
+                <a:latin typeface="Arial" panose="020B0604020202020204" pitchFamily="34" charset="0"/>
+                <a:cs typeface="Arial" panose="020B0604020202020204" pitchFamily="34" charset="0"/>
+              </a:rPr>
+              <a:t>Vantron</a:t>
+            </a:r>
+            <a:r>
+              <a:rPr lang="en-IN" sz="2400" dirty="0">
+                <a:latin typeface="Arial" panose="020B0604020202020204" pitchFamily="34" charset="0"/>
+                <a:cs typeface="Arial" panose="020B0604020202020204" pitchFamily="34" charset="0"/>
+              </a:rPr>
+              <a:t>  customers from various industries such as</a:t>
+            </a:r>
+          </a:p>
+          <a:p>
+            <a:pPr marL="1200150" lvl="2" indent="-285750">
+              <a:buFont typeface="Wingdings" panose="05000000000000000000" pitchFamily="2" charset="2"/>
+              <a:buChar char="Ø"/>
+            </a:pPr>
+            <a:r>
+              <a:rPr lang="en-IN" sz="2400" dirty="0">
+                <a:latin typeface="Arial" panose="020B0604020202020204" pitchFamily="34" charset="0"/>
+                <a:cs typeface="Arial" panose="020B0604020202020204" pitchFamily="34" charset="0"/>
+              </a:rPr>
+              <a:t> Healthcare, </a:t>
+            </a:r>
+          </a:p>
+          <a:p>
+            <a:pPr marL="1200150" lvl="2" indent="-285750">
+              <a:buFont typeface="Wingdings" panose="05000000000000000000" pitchFamily="2" charset="2"/>
+              <a:buChar char="Ø"/>
+            </a:pPr>
+            <a:r>
+              <a:rPr lang="en-IN" sz="2400" dirty="0">
+                <a:latin typeface="Arial" panose="020B0604020202020204" pitchFamily="34" charset="0"/>
+                <a:cs typeface="Arial" panose="020B0604020202020204" pitchFamily="34" charset="0"/>
+              </a:rPr>
+              <a:t> Heavy equipment,  </a:t>
+            </a:r>
+          </a:p>
+          <a:p>
+            <a:pPr marL="1200150" lvl="2" indent="-285750">
+              <a:buFont typeface="Wingdings" panose="05000000000000000000" pitchFamily="2" charset="2"/>
+              <a:buChar char="Ø"/>
+            </a:pPr>
+            <a:r>
+              <a:rPr lang="en-IN" sz="2400" dirty="0">
+                <a:latin typeface="Arial" panose="020B0604020202020204" pitchFamily="34" charset="0"/>
+                <a:cs typeface="Arial" panose="020B0604020202020204" pitchFamily="34" charset="0"/>
+              </a:rPr>
+              <a:t> Vehicle tracking </a:t>
+            </a:r>
+          </a:p>
+          <a:p>
+            <a:pPr marL="1200150" lvl="2" indent="-285750">
+              <a:buFont typeface="Wingdings" panose="05000000000000000000" pitchFamily="2" charset="2"/>
+              <a:buChar char="Ø"/>
+            </a:pPr>
+            <a:r>
+              <a:rPr lang="en-IN" sz="2400" dirty="0">
+                <a:latin typeface="Arial" panose="020B0604020202020204" pitchFamily="34" charset="0"/>
+                <a:cs typeface="Arial" panose="020B0604020202020204" pitchFamily="34" charset="0"/>
+              </a:rPr>
+              <a:t> Telematics</a:t>
+            </a:r>
+          </a:p>
+          <a:p>
+            <a:pPr marL="285750" indent="-285750">
+              <a:buFont typeface="Wingdings" panose="05000000000000000000" pitchFamily="2" charset="2"/>
+              <a:buChar char="ü"/>
+            </a:pPr>
+            <a:endParaRPr lang="en-IN" sz="2400" dirty="0">
+              <a:latin typeface="Arial" panose="020B0604020202020204" pitchFamily="34" charset="0"/>
+              <a:cs typeface="Arial" panose="020B0604020202020204" pitchFamily="34" charset="0"/>
+            </a:endParaRPr>
+          </a:p>
+          <a:p>
+            <a:pPr marL="285750" indent="-285750">
+              <a:buFont typeface="Wingdings" panose="05000000000000000000" pitchFamily="2" charset="2"/>
+              <a:buChar char="ü"/>
+            </a:pPr>
+            <a:r>
+              <a:rPr lang="en-IN" sz="2400" dirty="0">
+                <a:latin typeface="Arial" panose="020B0604020202020204" pitchFamily="34" charset="0"/>
+                <a:cs typeface="Arial" panose="020B0604020202020204" pitchFamily="34" charset="0"/>
+              </a:rPr>
+              <a:t> Needs  customized solutions.</a:t>
+            </a:r>
+          </a:p>
+          <a:p>
+            <a:pPr marL="285750" indent="-285750">
+              <a:buFont typeface="Wingdings" panose="05000000000000000000" pitchFamily="2" charset="2"/>
+              <a:buChar char="ü"/>
+            </a:pPr>
+            <a:r>
+              <a:rPr lang="en-IN" sz="2400" dirty="0">
+                <a:latin typeface="Arial" panose="020B0604020202020204" pitchFamily="34" charset="0"/>
+                <a:cs typeface="Arial" panose="020B0604020202020204" pitchFamily="34" charset="0"/>
+              </a:rPr>
+              <a:t> Rapid application development</a:t>
+            </a:r>
+          </a:p>
+          <a:p>
+            <a:endParaRPr lang="en-IN" sz="2400" dirty="0">
+              <a:latin typeface="Arial" panose="020B0604020202020204" pitchFamily="34" charset="0"/>
+              <a:cs typeface="Arial" panose="020B0604020202020204" pitchFamily="34" charset="0"/>
+            </a:endParaRPr>
+          </a:p>
+          <a:p>
+            <a:pPr marL="285750" indent="-285750">
+              <a:buFont typeface="Wingdings" panose="05000000000000000000" pitchFamily="2" charset="2"/>
+              <a:buChar char="ü"/>
+            </a:pPr>
+            <a:r>
+              <a:rPr lang="en-IN" sz="2400" dirty="0">
+                <a:latin typeface="Arial" panose="020B0604020202020204" pitchFamily="34" charset="0"/>
+                <a:cs typeface="Arial" panose="020B0604020202020204" pitchFamily="34" charset="0"/>
+              </a:rPr>
+              <a:t> Customers looking for interconnectivity  more and more through the cloud so that they could access and interact with their   equipment remotely.</a:t>
+            </a:r>
+          </a:p>
+          <a:p>
+            <a:endParaRPr lang="en-IN" sz="2400" dirty="0">
+              <a:latin typeface="Arial" panose="020B0604020202020204" pitchFamily="34" charset="0"/>
+              <a:cs typeface="Arial" panose="020B0604020202020204" pitchFamily="34" charset="0"/>
+            </a:endParaRPr>
+          </a:p>
+          <a:p>
+            <a:pPr marL="285750" indent="-285750">
+              <a:buFont typeface="Wingdings" panose="05000000000000000000" pitchFamily="2" charset="2"/>
+              <a:buChar char="ü"/>
+            </a:pPr>
+            <a:r>
+              <a:rPr lang="en-IN" sz="2400" dirty="0" err="1">
+                <a:latin typeface="Arial" panose="020B0604020202020204" pitchFamily="34" charset="0"/>
+                <a:cs typeface="Arial" panose="020B0604020202020204" pitchFamily="34" charset="0"/>
+              </a:rPr>
+              <a:t>Vantron</a:t>
+            </a:r>
+            <a:r>
+              <a:rPr lang="en-IN" sz="2400" dirty="0">
+                <a:latin typeface="Arial" panose="020B0604020202020204" pitchFamily="34" charset="0"/>
+                <a:cs typeface="Arial" panose="020B0604020202020204" pitchFamily="34" charset="0"/>
+              </a:rPr>
+              <a:t>’ s customers use a  range of operating systems on their embedded systems, from  Linux and Windows to Android</a:t>
+            </a:r>
+          </a:p>
+          <a:p>
+            <a:pPr marL="285750" indent="-285750">
+              <a:buFont typeface="Wingdings" panose="05000000000000000000" pitchFamily="2" charset="2"/>
+              <a:buChar char="ü"/>
+            </a:pPr>
+            <a:endParaRPr lang="en-IN" sz="2400" dirty="0">
+              <a:effectLst/>
+              <a:latin typeface="Arial" panose="020B0604020202020204" pitchFamily="34" charset="0"/>
+              <a:cs typeface="Arial" panose="020B0604020202020204" pitchFamily="34" charset="0"/>
+            </a:endParaRPr>
+          </a:p>
+        </p:txBody>
+      </p:sp>
+    </p:spTree>
+    <p:extLst>
+      <p:ext uri="{BB962C8B-B14F-4D97-AF65-F5344CB8AC3E}">
+        <p14:creationId xmlns:p14="http://schemas.microsoft.com/office/powerpoint/2010/main" val="3549351075"/>
+      </p:ext>
+    </p:extLst>
+  </p:cSld>
+  <p:clrMapOvr>
+    <a:masterClrMapping/>
+  </p:clrMapOvr>
+</p:sld>
+</file>
+
+<file path=ppt/slides/slide22.xml><?xml version="1.0" encoding="utf-8"?>
+<p:sld xmlns:a="http://schemas.openxmlformats.org/drawingml/2006/main" xmlns:r="http://schemas.openxmlformats.org/officeDocument/2006/relationships" xmlns:p="http://schemas.openxmlformats.org/presentationml/2006/main">
+  <p:cSld>
+    <p:spTree>
+      <p:nvGrpSpPr>
+        <p:cNvPr id="1" name=""/>
+        <p:cNvGrpSpPr/>
+        <p:nvPr/>
+      </p:nvGrpSpPr>
+      <p:grpSpPr>
+        <a:xfrm>
+          <a:off x="0" y="0"/>
+          <a:ext cx="0" cy="0"/>
+          <a:chOff x="0" y="0"/>
+          <a:chExt cx="0" cy="0"/>
+        </a:xfrm>
+      </p:grpSpPr>
+      <p:sp>
+        <p:nvSpPr>
+          <p:cNvPr id="5" name="Title 4">
+            <a:extLst>
+              <a:ext uri="{FF2B5EF4-FFF2-40B4-BE49-F238E27FC236}">
+                <a16:creationId xmlns:a16="http://schemas.microsoft.com/office/drawing/2014/main" id="{26F888A6-940C-4688-9513-75B82B3610EC}"/>
+              </a:ext>
+            </a:extLst>
+          </p:cNvPr>
+          <p:cNvSpPr>
+            <a:spLocks noGrp="1"/>
+          </p:cNvSpPr>
+          <p:nvPr>
+            <p:ph type="title"/>
+          </p:nvPr>
+        </p:nvSpPr>
+        <p:spPr>
+          <a:xfrm>
+            <a:off x="646111" y="452718"/>
+            <a:ext cx="9404723" cy="795511"/>
+          </a:xfrm>
+        </p:spPr>
+        <p:txBody>
+          <a:bodyPr/>
+          <a:lstStyle/>
+          <a:p>
+            <a:r>
+              <a:rPr lang="en-IN" dirty="0"/>
+              <a:t>Solution</a:t>
+            </a:r>
+          </a:p>
+        </p:txBody>
+      </p:sp>
+      <p:sp>
+        <p:nvSpPr>
+          <p:cNvPr id="6" name="Rectangle 5">
+            <a:extLst>
+              <a:ext uri="{FF2B5EF4-FFF2-40B4-BE49-F238E27FC236}">
+                <a16:creationId xmlns:a16="http://schemas.microsoft.com/office/drawing/2014/main" id="{1D09ACAD-1BC3-45C4-8835-3FAAA2BA2687}"/>
+              </a:ext>
+            </a:extLst>
+          </p:cNvPr>
+          <p:cNvSpPr/>
+          <p:nvPr/>
+        </p:nvSpPr>
+        <p:spPr>
+          <a:xfrm>
+            <a:off x="254000" y="1182147"/>
+            <a:ext cx="11684000" cy="3970318"/>
+          </a:xfrm>
+          <a:prstGeom prst="rect">
+            <a:avLst/>
+          </a:prstGeom>
+        </p:spPr>
+        <p:txBody>
+          <a:bodyPr wrap="square">
+            <a:spAutoFit/>
+          </a:bodyPr>
+          <a:lstStyle/>
+          <a:p>
+            <a:pPr marL="285750" indent="-285750">
+              <a:buFont typeface="Wingdings" panose="05000000000000000000" pitchFamily="2" charset="2"/>
+              <a:buChar char="ü"/>
+            </a:pPr>
+            <a:r>
+              <a:rPr lang="en-IN" sz="2800" dirty="0" err="1">
+                <a:latin typeface="Arial" panose="020B0604020202020204" pitchFamily="34" charset="0"/>
+                <a:cs typeface="Arial" panose="020B0604020202020204" pitchFamily="34" charset="0"/>
+              </a:rPr>
+              <a:t>Thingworx</a:t>
+            </a:r>
+            <a:r>
+              <a:rPr lang="en-IN" sz="2800" dirty="0">
+                <a:latin typeface="Arial" panose="020B0604020202020204" pitchFamily="34" charset="0"/>
+                <a:cs typeface="Arial" panose="020B0604020202020204" pitchFamily="34" charset="0"/>
+              </a:rPr>
+              <a:t> support a wide range of embedded systems, from  Linux and Windows to Android</a:t>
+            </a:r>
+          </a:p>
+          <a:p>
+            <a:pPr marL="285750" indent="-285750">
+              <a:buFont typeface="Wingdings" panose="05000000000000000000" pitchFamily="2" charset="2"/>
+              <a:buChar char="ü"/>
+            </a:pPr>
+            <a:endParaRPr lang="en-IN" sz="2800" dirty="0">
+              <a:latin typeface="Arial" panose="020B0604020202020204" pitchFamily="34" charset="0"/>
+              <a:cs typeface="Arial" panose="020B0604020202020204" pitchFamily="34" charset="0"/>
+            </a:endParaRPr>
+          </a:p>
+          <a:p>
+            <a:pPr marL="285750" indent="-285750">
+              <a:buFont typeface="Wingdings" panose="05000000000000000000" pitchFamily="2" charset="2"/>
+              <a:buChar char="ü"/>
+            </a:pPr>
+            <a:r>
+              <a:rPr lang="en-IN" sz="2800" dirty="0">
+                <a:latin typeface="Arial" panose="020B0604020202020204" pitchFamily="34" charset="0"/>
+                <a:cs typeface="Arial" panose="020B0604020202020204" pitchFamily="34" charset="0"/>
+              </a:rPr>
+              <a:t>Rapid application development possible </a:t>
+            </a:r>
+          </a:p>
+          <a:p>
+            <a:pPr marL="285750" indent="-285750">
+              <a:buFont typeface="Wingdings" panose="05000000000000000000" pitchFamily="2" charset="2"/>
+              <a:buChar char="ü"/>
+            </a:pPr>
+            <a:endParaRPr lang="en-IN" sz="2800" dirty="0">
+              <a:latin typeface="Arial" panose="020B0604020202020204" pitchFamily="34" charset="0"/>
+              <a:cs typeface="Arial" panose="020B0604020202020204" pitchFamily="34" charset="0"/>
+            </a:endParaRPr>
+          </a:p>
+          <a:p>
+            <a:pPr marL="285750" indent="-285750">
+              <a:buFont typeface="Wingdings" panose="05000000000000000000" pitchFamily="2" charset="2"/>
+              <a:buChar char="ü"/>
+            </a:pPr>
+            <a:r>
+              <a:rPr lang="en-IN" sz="2800" dirty="0">
+                <a:latin typeface="Arial" panose="020B0604020202020204" pitchFamily="34" charset="0"/>
+                <a:cs typeface="Arial" panose="020B0604020202020204" pitchFamily="34" charset="0"/>
+              </a:rPr>
+              <a:t>Brand recognition, the robustness, and the available  partner ecosystem all had an important role to play in selecting   the </a:t>
+            </a:r>
+            <a:r>
+              <a:rPr lang="en-IN" sz="2800" dirty="0" err="1">
+                <a:latin typeface="Arial" panose="020B0604020202020204" pitchFamily="34" charset="0"/>
+                <a:cs typeface="Arial" panose="020B0604020202020204" pitchFamily="34" charset="0"/>
+              </a:rPr>
+              <a:t>ThingWorx</a:t>
+            </a:r>
+            <a:r>
+              <a:rPr lang="en-IN" sz="2800" dirty="0">
+                <a:latin typeface="Arial" panose="020B0604020202020204" pitchFamily="34" charset="0"/>
+                <a:cs typeface="Arial" panose="020B0604020202020204" pitchFamily="34" charset="0"/>
+              </a:rPr>
+              <a:t> platform” says </a:t>
+            </a:r>
+            <a:r>
+              <a:rPr lang="en-IN" sz="2800" dirty="0" err="1"/>
+              <a:t>Easen</a:t>
+            </a:r>
+            <a:r>
+              <a:rPr lang="en-IN" sz="2800" dirty="0"/>
+              <a:t> </a:t>
+            </a:r>
+            <a:r>
+              <a:rPr lang="en-IN" sz="2800" dirty="0">
+                <a:latin typeface="Arial" panose="020B0604020202020204" pitchFamily="34" charset="0"/>
+                <a:cs typeface="Arial" panose="020B0604020202020204" pitchFamily="34" charset="0"/>
+              </a:rPr>
+              <a:t>Ho, </a:t>
+            </a:r>
+          </a:p>
+          <a:p>
+            <a:pPr marL="285750" indent="-285750">
+              <a:buFont typeface="Wingdings" panose="05000000000000000000" pitchFamily="2" charset="2"/>
+              <a:buChar char="ü"/>
+            </a:pPr>
+            <a:endParaRPr lang="en-IN" sz="2800" dirty="0">
+              <a:effectLst/>
+              <a:latin typeface="Arial" panose="020B0604020202020204" pitchFamily="34" charset="0"/>
+              <a:cs typeface="Arial" panose="020B0604020202020204" pitchFamily="34" charset="0"/>
+            </a:endParaRPr>
+          </a:p>
+        </p:txBody>
+      </p:sp>
+    </p:spTree>
+    <p:extLst>
+      <p:ext uri="{BB962C8B-B14F-4D97-AF65-F5344CB8AC3E}">
+        <p14:creationId xmlns:p14="http://schemas.microsoft.com/office/powerpoint/2010/main" val="1797572419"/>
+      </p:ext>
+    </p:extLst>
+  </p:cSld>
+  <p:clrMapOvr>
+    <a:masterClrMapping/>
+  </p:clrMapOvr>
+</p:sld>
+</file>
+
+<file path=ppt/slides/slide23.xml><?xml version="1.0" encoding="utf-8"?>
+<p:sld xmlns:a="http://schemas.openxmlformats.org/drawingml/2006/main" xmlns:r="http://schemas.openxmlformats.org/officeDocument/2006/relationships" xmlns:p="http://schemas.openxmlformats.org/presentationml/2006/main">
+  <p:cSld>
+    <p:spTree>
+      <p:nvGrpSpPr>
+        <p:cNvPr id="1" name=""/>
+        <p:cNvGrpSpPr/>
+        <p:nvPr/>
+      </p:nvGrpSpPr>
+      <p:grpSpPr>
+        <a:xfrm>
+          <a:off x="0" y="0"/>
+          <a:ext cx="0" cy="0"/>
+          <a:chOff x="0" y="0"/>
+          <a:chExt cx="0" cy="0"/>
+        </a:xfrm>
+      </p:grpSpPr>
+      <p:sp>
+        <p:nvSpPr>
+          <p:cNvPr id="5" name="TextBox 4">
+            <a:extLst>
+              <a:ext uri="{FF2B5EF4-FFF2-40B4-BE49-F238E27FC236}">
+                <a16:creationId xmlns:a16="http://schemas.microsoft.com/office/drawing/2014/main" id="{15812C04-4972-48B8-A419-1F4271CCD452}"/>
+              </a:ext>
+            </a:extLst>
+          </p:cNvPr>
+          <p:cNvSpPr txBox="1"/>
+          <p:nvPr/>
+        </p:nvSpPr>
+        <p:spPr>
+          <a:xfrm>
+            <a:off x="646111" y="2377441"/>
+            <a:ext cx="4263514" cy="646331"/>
+          </a:xfrm>
+          <a:prstGeom prst="rect">
+            <a:avLst/>
+          </a:prstGeom>
+          <a:noFill/>
+        </p:spPr>
+        <p:txBody>
+          <a:bodyPr wrap="square" rtlCol="0">
+            <a:spAutoFit/>
+          </a:bodyPr>
+          <a:lstStyle/>
+          <a:p>
+            <a:endParaRPr lang="en-IN" dirty="0"/>
+          </a:p>
+          <a:p>
+            <a:endParaRPr lang="en-IN" dirty="0"/>
+          </a:p>
+        </p:txBody>
+      </p:sp>
+      <p:sp>
+        <p:nvSpPr>
+          <p:cNvPr id="4" name="Title 3">
+            <a:extLst>
+              <a:ext uri="{FF2B5EF4-FFF2-40B4-BE49-F238E27FC236}">
+                <a16:creationId xmlns:a16="http://schemas.microsoft.com/office/drawing/2014/main" id="{AA43593A-11F9-4B5D-B77B-7C8D70285F7D}"/>
+              </a:ext>
+            </a:extLst>
+          </p:cNvPr>
+          <p:cNvSpPr>
+            <a:spLocks noGrp="1"/>
+          </p:cNvSpPr>
+          <p:nvPr>
+            <p:ph type="title"/>
+          </p:nvPr>
+        </p:nvSpPr>
+        <p:spPr>
+          <a:xfrm>
+            <a:off x="646111" y="452718"/>
+            <a:ext cx="9404723" cy="1114825"/>
+          </a:xfrm>
+        </p:spPr>
+        <p:txBody>
+          <a:bodyPr/>
+          <a:lstStyle/>
+          <a:p>
+            <a:r>
+              <a:rPr lang="en-IN" dirty="0"/>
+              <a:t>Results</a:t>
+            </a:r>
+          </a:p>
+        </p:txBody>
+      </p:sp>
+      <p:sp>
+        <p:nvSpPr>
+          <p:cNvPr id="7" name="TextBox 6">
+            <a:extLst>
+              <a:ext uri="{FF2B5EF4-FFF2-40B4-BE49-F238E27FC236}">
+                <a16:creationId xmlns:a16="http://schemas.microsoft.com/office/drawing/2014/main" id="{42BA8BF5-523D-454F-B889-BC3AB83880C9}"/>
+              </a:ext>
+            </a:extLst>
+          </p:cNvPr>
+          <p:cNvSpPr txBox="1"/>
+          <p:nvPr/>
+        </p:nvSpPr>
+        <p:spPr>
+          <a:xfrm>
+            <a:off x="435429" y="2220686"/>
+            <a:ext cx="11110460" cy="2308324"/>
+          </a:xfrm>
+          <a:prstGeom prst="rect">
+            <a:avLst/>
+          </a:prstGeom>
+          <a:noFill/>
+        </p:spPr>
+        <p:txBody>
+          <a:bodyPr wrap="square" rtlCol="0">
+            <a:spAutoFit/>
+          </a:bodyPr>
+          <a:lstStyle/>
+          <a:p>
+            <a:r>
+              <a:rPr lang="en-IN" b="1" dirty="0"/>
+              <a:t>The rapid application development capabilities of </a:t>
+            </a:r>
+            <a:r>
+              <a:rPr lang="en-IN" b="1" dirty="0" err="1"/>
+              <a:t>ThingWorx</a:t>
+            </a:r>
+            <a:r>
+              <a:rPr lang="en-IN" b="1" dirty="0"/>
+              <a:t>  enabled  </a:t>
+            </a:r>
+            <a:r>
+              <a:rPr lang="en-IN" b="1" dirty="0" err="1"/>
+              <a:t>Vantron’s</a:t>
+            </a:r>
+            <a:r>
+              <a:rPr lang="en-IN" b="1" dirty="0"/>
+              <a:t> engineers to add  connectivity and completing the </a:t>
+            </a:r>
+            <a:r>
+              <a:rPr lang="en-IN" b="1" dirty="0" err="1"/>
+              <a:t>ThingWorx</a:t>
+            </a:r>
+            <a:r>
+              <a:rPr lang="en-IN" b="1" dirty="0"/>
+              <a:t> integration within  2-3 weeks.</a:t>
+            </a:r>
+          </a:p>
+          <a:p>
+            <a:endParaRPr lang="en-IN" b="1" dirty="0"/>
+          </a:p>
+          <a:p>
+            <a:r>
+              <a:rPr lang="en-IN" b="1" dirty="0"/>
+              <a:t>Having intelligently connected systems and devices provides </a:t>
+            </a:r>
+            <a:r>
+              <a:rPr lang="en-IN" b="1" dirty="0" err="1"/>
+              <a:t>Vantron</a:t>
+            </a:r>
+            <a:r>
+              <a:rPr lang="en-IN" b="1" dirty="0"/>
+              <a:t> with a </a:t>
+            </a:r>
+          </a:p>
+          <a:p>
+            <a:r>
+              <a:rPr lang="en-IN" b="1" dirty="0"/>
+              <a:t>differentiated offering.  - an industry-standard way for  customers to have their devices easily </a:t>
+            </a:r>
+          </a:p>
+          <a:p>
+            <a:r>
+              <a:rPr lang="en-IN" b="1" dirty="0"/>
+              <a:t>connected with minimal effort.</a:t>
+            </a:r>
+          </a:p>
+          <a:p>
+            <a:endParaRPr lang="en-IN" b="1" dirty="0"/>
+          </a:p>
+          <a:p>
+            <a:endParaRPr lang="en-IN" b="1" dirty="0"/>
+          </a:p>
+        </p:txBody>
+      </p:sp>
+    </p:spTree>
+    <p:extLst>
+      <p:ext uri="{BB962C8B-B14F-4D97-AF65-F5344CB8AC3E}">
+        <p14:creationId xmlns:p14="http://schemas.microsoft.com/office/powerpoint/2010/main" val="3730810508"/>
       </p:ext>
     </p:extLst>
   </p:cSld>
